--- a/WebsiteDesign_27-01-16.pptx
+++ b/WebsiteDesign_27-01-16.pptx
@@ -1,24 +1,119 @@
 
 <file path=ppt/presentation.xml><?xml version="1.0" encoding="utf-8"?>
-<p:presentation xmlns:a="http://schemas.openxmlformats.org/drawingml/2006/main" xmlns:p="http://schemas.openxmlformats.org/presentationml/2006/main" xmlns:r="http://schemas.openxmlformats.org/officeDocument/2006/relationships" xmlns:p14="http://schemas.microsoft.com/office/powerpoint/2010/main" xmlns:p15="http://schemas.microsoft.com/office/powerpoint/2012/main" xmlns:mc="http://schemas.openxmlformats.org/markup-compatibility/2006">
+<p:presentation xmlns:a="http://schemas.openxmlformats.org/drawingml/2006/main" xmlns:r="http://schemas.openxmlformats.org/officeDocument/2006/relationships" xmlns:p="http://schemas.openxmlformats.org/presentationml/2006/main">
   <p:sldMasterIdLst>
-    <p:sldMasterId id="2147483648" r:id="rId2"/>
-    <p:sldMasterId id="2147483661" r:id="rId3"/>
+    <p:sldMasterId id="2147483648" r:id="rId1"/>
+    <p:sldMasterId id="2147483661" r:id="rId2"/>
   </p:sldMasterIdLst>
   <p:sldIdLst>
-    <p:sldId id="256" r:id="rId4"/>
-    <p:sldId id="257" r:id="rId5"/>
-    <p:sldId id="258" r:id="rId6"/>
-    <p:sldId id="259" r:id="rId7"/>
-    <p:sldId id="260" r:id="rId8"/>
+    <p:sldId id="256" r:id="rId3"/>
+    <p:sldId id="257" r:id="rId4"/>
+    <p:sldId id="258" r:id="rId5"/>
+    <p:sldId id="259" r:id="rId6"/>
+    <p:sldId id="260" r:id="rId7"/>
   </p:sldIdLst>
-  <p:sldSz cx="9144000" cy="6858000"/>
+  <p:sldSz cx="9144000" cy="6858000" type="screen4x3"/>
   <p:notesSz cx="7772400" cy="10058400"/>
+  <p:defaultTextStyle>
+    <a:defPPr>
+      <a:defRPr lang="en-US"/>
+    </a:defPPr>
+    <a:lvl1pPr marL="0" algn="l" defTabSz="457200" rtl="0" eaLnBrk="1" latinLnBrk="0" hangingPunct="1">
+      <a:defRPr sz="1800" kern="1200">
+        <a:solidFill>
+          <a:schemeClr val="tx1"/>
+        </a:solidFill>
+        <a:latin typeface="+mn-lt"/>
+        <a:ea typeface="+mn-ea"/>
+        <a:cs typeface="+mn-cs"/>
+      </a:defRPr>
+    </a:lvl1pPr>
+    <a:lvl2pPr marL="457200" algn="l" defTabSz="457200" rtl="0" eaLnBrk="1" latinLnBrk="0" hangingPunct="1">
+      <a:defRPr sz="1800" kern="1200">
+        <a:solidFill>
+          <a:schemeClr val="tx1"/>
+        </a:solidFill>
+        <a:latin typeface="+mn-lt"/>
+        <a:ea typeface="+mn-ea"/>
+        <a:cs typeface="+mn-cs"/>
+      </a:defRPr>
+    </a:lvl2pPr>
+    <a:lvl3pPr marL="914400" algn="l" defTabSz="457200" rtl="0" eaLnBrk="1" latinLnBrk="0" hangingPunct="1">
+      <a:defRPr sz="1800" kern="1200">
+        <a:solidFill>
+          <a:schemeClr val="tx1"/>
+        </a:solidFill>
+        <a:latin typeface="+mn-lt"/>
+        <a:ea typeface="+mn-ea"/>
+        <a:cs typeface="+mn-cs"/>
+      </a:defRPr>
+    </a:lvl3pPr>
+    <a:lvl4pPr marL="1371600" algn="l" defTabSz="457200" rtl="0" eaLnBrk="1" latinLnBrk="0" hangingPunct="1">
+      <a:defRPr sz="1800" kern="1200">
+        <a:solidFill>
+          <a:schemeClr val="tx1"/>
+        </a:solidFill>
+        <a:latin typeface="+mn-lt"/>
+        <a:ea typeface="+mn-ea"/>
+        <a:cs typeface="+mn-cs"/>
+      </a:defRPr>
+    </a:lvl4pPr>
+    <a:lvl5pPr marL="1828800" algn="l" defTabSz="457200" rtl="0" eaLnBrk="1" latinLnBrk="0" hangingPunct="1">
+      <a:defRPr sz="1800" kern="1200">
+        <a:solidFill>
+          <a:schemeClr val="tx1"/>
+        </a:solidFill>
+        <a:latin typeface="+mn-lt"/>
+        <a:ea typeface="+mn-ea"/>
+        <a:cs typeface="+mn-cs"/>
+      </a:defRPr>
+    </a:lvl5pPr>
+    <a:lvl6pPr marL="2286000" algn="l" defTabSz="457200" rtl="0" eaLnBrk="1" latinLnBrk="0" hangingPunct="1">
+      <a:defRPr sz="1800" kern="1200">
+        <a:solidFill>
+          <a:schemeClr val="tx1"/>
+        </a:solidFill>
+        <a:latin typeface="+mn-lt"/>
+        <a:ea typeface="+mn-ea"/>
+        <a:cs typeface="+mn-cs"/>
+      </a:defRPr>
+    </a:lvl6pPr>
+    <a:lvl7pPr marL="2743200" algn="l" defTabSz="457200" rtl="0" eaLnBrk="1" latinLnBrk="0" hangingPunct="1">
+      <a:defRPr sz="1800" kern="1200">
+        <a:solidFill>
+          <a:schemeClr val="tx1"/>
+        </a:solidFill>
+        <a:latin typeface="+mn-lt"/>
+        <a:ea typeface="+mn-ea"/>
+        <a:cs typeface="+mn-cs"/>
+      </a:defRPr>
+    </a:lvl7pPr>
+    <a:lvl8pPr marL="3200400" algn="l" defTabSz="457200" rtl="0" eaLnBrk="1" latinLnBrk="0" hangingPunct="1">
+      <a:defRPr sz="1800" kern="1200">
+        <a:solidFill>
+          <a:schemeClr val="tx1"/>
+        </a:solidFill>
+        <a:latin typeface="+mn-lt"/>
+        <a:ea typeface="+mn-ea"/>
+        <a:cs typeface="+mn-cs"/>
+      </a:defRPr>
+    </a:lvl8pPr>
+    <a:lvl9pPr marL="3657600" algn="l" defTabSz="457200" rtl="0" eaLnBrk="1" latinLnBrk="0" hangingPunct="1">
+      <a:defRPr sz="1800" kern="1200">
+        <a:solidFill>
+          <a:schemeClr val="tx1"/>
+        </a:solidFill>
+        <a:latin typeface="+mn-lt"/>
+        <a:ea typeface="+mn-ea"/>
+        <a:cs typeface="+mn-cs"/>
+      </a:defRPr>
+    </a:lvl9pPr>
+  </p:defaultTextStyle>
 </p:presentation>
 </file>
 
 <file path=ppt/slideLayouts/slideLayout1.xml><?xml version="1.0" encoding="utf-8"?>
-<p:sldLayout xmlns:a="http://schemas.openxmlformats.org/drawingml/2006/main" xmlns:p="http://schemas.openxmlformats.org/presentationml/2006/main" xmlns:r="http://schemas.openxmlformats.org/officeDocument/2006/relationships" xmlns:p14="http://schemas.microsoft.com/office/powerpoint/2010/main" xmlns:p15="http://schemas.microsoft.com/office/powerpoint/2012/main" xmlns:mc="http://schemas.openxmlformats.org/markup-compatibility/2006" type="blank" preserve="1">
+<p:sldLayout xmlns:a="http://schemas.openxmlformats.org/drawingml/2006/main" xmlns:r="http://schemas.openxmlformats.org/officeDocument/2006/relationships" xmlns:p="http://schemas.openxmlformats.org/presentationml/2006/main" type="blank" preserve="1">
   <p:cSld name="Blank Slide">
     <p:spTree>
       <p:nvGrpSpPr>
@@ -36,11 +131,14 @@
       </p:grpSpPr>
     </p:spTree>
   </p:cSld>
+  <p:clrMapOvr>
+    <a:masterClrMapping/>
+  </p:clrMapOvr>
 </p:sldLayout>
 </file>
 
 <file path=ppt/slideLayouts/slideLayout10.xml><?xml version="1.0" encoding="utf-8"?>
-<p:sldLayout xmlns:a="http://schemas.openxmlformats.org/drawingml/2006/main" xmlns:p="http://schemas.openxmlformats.org/presentationml/2006/main" xmlns:r="http://schemas.openxmlformats.org/officeDocument/2006/relationships" xmlns:p14="http://schemas.microsoft.com/office/powerpoint/2010/main" xmlns:p15="http://schemas.microsoft.com/office/powerpoint/2012/main" xmlns:mc="http://schemas.openxmlformats.org/markup-compatibility/2006" type="objOverTx" preserve="1">
+<p:sldLayout xmlns:a="http://schemas.openxmlformats.org/drawingml/2006/main" xmlns:r="http://schemas.openxmlformats.org/officeDocument/2006/relationships" xmlns:p="http://schemas.openxmlformats.org/presentationml/2006/main" type="objOverTx" preserve="1">
   <p:cSld name="Title, Content over Content">
     <p:spTree>
       <p:nvGrpSpPr>
@@ -76,9 +174,10 @@
           </a:prstGeom>
         </p:spPr>
         <p:txBody>
-          <a:bodyPr lIns="0" rIns="0" tIns="0" bIns="0" anchor="ctr"/>
-          <a:p>
-            <a:endParaRPr b="0" lang="en-US" sz="1800" spc="-1" strike="noStrike">
+          <a:bodyPr lIns="0" tIns="0" rIns="0" bIns="0" anchor="ctr"/>
+          <a:lstStyle/>
+          <a:p>
+            <a:endParaRPr lang="en-US" sz="1800" b="0" strike="noStrike" spc="-1">
               <a:solidFill>
                 <a:srgbClr val="000000"/>
               </a:solidFill>
@@ -107,11 +206,12 @@
           </a:prstGeom>
         </p:spPr>
         <p:txBody>
-          <a:bodyPr lIns="0" rIns="0" tIns="0" bIns="0">
+          <a:bodyPr lIns="0" tIns="0" rIns="0" bIns="0">
             <a:normAutofit/>
           </a:bodyPr>
-          <a:p>
-            <a:endParaRPr b="0" lang="en-US" sz="3200" spc="-1" strike="noStrike">
+          <a:lstStyle/>
+          <a:p>
+            <a:endParaRPr lang="en-US" sz="3200" b="0" strike="noStrike" spc="-1">
               <a:solidFill>
                 <a:srgbClr val="000000"/>
               </a:solidFill>
@@ -140,11 +240,12 @@
           </a:prstGeom>
         </p:spPr>
         <p:txBody>
-          <a:bodyPr lIns="0" rIns="0" tIns="0" bIns="0">
+          <a:bodyPr lIns="0" tIns="0" rIns="0" bIns="0">
             <a:normAutofit/>
           </a:bodyPr>
-          <a:p>
-            <a:endParaRPr b="0" lang="en-US" sz="3200" spc="-1" strike="noStrike">
+          <a:lstStyle/>
+          <a:p>
+            <a:endParaRPr lang="en-US" sz="3200" b="0" strike="noStrike" spc="-1">
               <a:solidFill>
                 <a:srgbClr val="000000"/>
               </a:solidFill>
@@ -155,11 +256,14 @@
       </p:sp>
     </p:spTree>
   </p:cSld>
+  <p:clrMapOvr>
+    <a:masterClrMapping/>
+  </p:clrMapOvr>
 </p:sldLayout>
 </file>
 
 <file path=ppt/slideLayouts/slideLayout11.xml><?xml version="1.0" encoding="utf-8"?>
-<p:sldLayout xmlns:a="http://schemas.openxmlformats.org/drawingml/2006/main" xmlns:p="http://schemas.openxmlformats.org/presentationml/2006/main" xmlns:r="http://schemas.openxmlformats.org/officeDocument/2006/relationships" xmlns:p14="http://schemas.microsoft.com/office/powerpoint/2010/main" xmlns:p15="http://schemas.microsoft.com/office/powerpoint/2012/main" xmlns:mc="http://schemas.openxmlformats.org/markup-compatibility/2006" type="fourObj" preserve="1">
+<p:sldLayout xmlns:a="http://schemas.openxmlformats.org/drawingml/2006/main" xmlns:r="http://schemas.openxmlformats.org/officeDocument/2006/relationships" xmlns:p="http://schemas.openxmlformats.org/presentationml/2006/main" type="fourObj" preserve="1">
   <p:cSld name="Title, 4 Content">
     <p:spTree>
       <p:nvGrpSpPr>
@@ -195,9 +299,10 @@
           </a:prstGeom>
         </p:spPr>
         <p:txBody>
-          <a:bodyPr lIns="0" rIns="0" tIns="0" bIns="0" anchor="ctr"/>
-          <a:p>
-            <a:endParaRPr b="0" lang="en-US" sz="1800" spc="-1" strike="noStrike">
+          <a:bodyPr lIns="0" tIns="0" rIns="0" bIns="0" anchor="ctr"/>
+          <a:lstStyle/>
+          <a:p>
+            <a:endParaRPr lang="en-US" sz="1800" b="0" strike="noStrike" spc="-1">
               <a:solidFill>
                 <a:srgbClr val="000000"/>
               </a:solidFill>
@@ -226,11 +331,12 @@
           </a:prstGeom>
         </p:spPr>
         <p:txBody>
-          <a:bodyPr lIns="0" rIns="0" tIns="0" bIns="0">
+          <a:bodyPr lIns="0" tIns="0" rIns="0" bIns="0">
             <a:normAutofit/>
           </a:bodyPr>
-          <a:p>
-            <a:endParaRPr b="0" lang="en-US" sz="3200" spc="-1" strike="noStrike">
+          <a:lstStyle/>
+          <a:p>
+            <a:endParaRPr lang="en-US" sz="3200" b="0" strike="noStrike" spc="-1">
               <a:solidFill>
                 <a:srgbClr val="000000"/>
               </a:solidFill>
@@ -259,11 +365,12 @@
           </a:prstGeom>
         </p:spPr>
         <p:txBody>
-          <a:bodyPr lIns="0" rIns="0" tIns="0" bIns="0">
+          <a:bodyPr lIns="0" tIns="0" rIns="0" bIns="0">
             <a:normAutofit/>
           </a:bodyPr>
-          <a:p>
-            <a:endParaRPr b="0" lang="en-US" sz="3200" spc="-1" strike="noStrike">
+          <a:lstStyle/>
+          <a:p>
+            <a:endParaRPr lang="en-US" sz="3200" b="0" strike="noStrike" spc="-1">
               <a:solidFill>
                 <a:srgbClr val="000000"/>
               </a:solidFill>
@@ -292,11 +399,12 @@
           </a:prstGeom>
         </p:spPr>
         <p:txBody>
-          <a:bodyPr lIns="0" rIns="0" tIns="0" bIns="0">
+          <a:bodyPr lIns="0" tIns="0" rIns="0" bIns="0">
             <a:normAutofit/>
           </a:bodyPr>
-          <a:p>
-            <a:endParaRPr b="0" lang="en-US" sz="3200" spc="-1" strike="noStrike">
+          <a:lstStyle/>
+          <a:p>
+            <a:endParaRPr lang="en-US" sz="3200" b="0" strike="noStrike" spc="-1">
               <a:solidFill>
                 <a:srgbClr val="000000"/>
               </a:solidFill>
@@ -325,11 +433,12 @@
           </a:prstGeom>
         </p:spPr>
         <p:txBody>
-          <a:bodyPr lIns="0" rIns="0" tIns="0" bIns="0">
+          <a:bodyPr lIns="0" tIns="0" rIns="0" bIns="0">
             <a:normAutofit/>
           </a:bodyPr>
-          <a:p>
-            <a:endParaRPr b="0" lang="en-US" sz="3200" spc="-1" strike="noStrike">
+          <a:lstStyle/>
+          <a:p>
+            <a:endParaRPr lang="en-US" sz="3200" b="0" strike="noStrike" spc="-1">
               <a:solidFill>
                 <a:srgbClr val="000000"/>
               </a:solidFill>
@@ -340,11 +449,14 @@
       </p:sp>
     </p:spTree>
   </p:cSld>
+  <p:clrMapOvr>
+    <a:masterClrMapping/>
+  </p:clrMapOvr>
 </p:sldLayout>
 </file>
 
 <file path=ppt/slideLayouts/slideLayout12.xml><?xml version="1.0" encoding="utf-8"?>
-<p:sldLayout xmlns:a="http://schemas.openxmlformats.org/drawingml/2006/main" xmlns:p="http://schemas.openxmlformats.org/presentationml/2006/main" xmlns:r="http://schemas.openxmlformats.org/officeDocument/2006/relationships" xmlns:p14="http://schemas.microsoft.com/office/powerpoint/2010/main" xmlns:p15="http://schemas.microsoft.com/office/powerpoint/2012/main" xmlns:mc="http://schemas.openxmlformats.org/markup-compatibility/2006" type="blank" preserve="1">
+<p:sldLayout xmlns:a="http://schemas.openxmlformats.org/drawingml/2006/main" xmlns:r="http://schemas.openxmlformats.org/officeDocument/2006/relationships" xmlns:p="http://schemas.openxmlformats.org/presentationml/2006/main" type="blank" preserve="1">
   <p:cSld name="Title, 6 Content">
     <p:spTree>
       <p:nvGrpSpPr>
@@ -380,9 +492,10 @@
           </a:prstGeom>
         </p:spPr>
         <p:txBody>
-          <a:bodyPr lIns="0" rIns="0" tIns="0" bIns="0" anchor="ctr"/>
-          <a:p>
-            <a:endParaRPr b="0" lang="en-US" sz="1800" spc="-1" strike="noStrike">
+          <a:bodyPr lIns="0" tIns="0" rIns="0" bIns="0" anchor="ctr"/>
+          <a:lstStyle/>
+          <a:p>
+            <a:endParaRPr lang="en-US" sz="1800" b="0" strike="noStrike" spc="-1">
               <a:solidFill>
                 <a:srgbClr val="000000"/>
               </a:solidFill>
@@ -411,11 +524,12 @@
           </a:prstGeom>
         </p:spPr>
         <p:txBody>
-          <a:bodyPr lIns="0" rIns="0" tIns="0" bIns="0">
+          <a:bodyPr lIns="0" tIns="0" rIns="0" bIns="0">
             <a:normAutofit/>
           </a:bodyPr>
-          <a:p>
-            <a:endParaRPr b="0" lang="en-US" sz="3200" spc="-1" strike="noStrike">
+          <a:lstStyle/>
+          <a:p>
+            <a:endParaRPr lang="en-US" sz="3200" b="0" strike="noStrike" spc="-1">
               <a:solidFill>
                 <a:srgbClr val="000000"/>
               </a:solidFill>
@@ -444,11 +558,12 @@
           </a:prstGeom>
         </p:spPr>
         <p:txBody>
-          <a:bodyPr lIns="0" rIns="0" tIns="0" bIns="0">
+          <a:bodyPr lIns="0" tIns="0" rIns="0" bIns="0">
             <a:normAutofit/>
           </a:bodyPr>
-          <a:p>
-            <a:endParaRPr b="0" lang="en-US" sz="3200" spc="-1" strike="noStrike">
+          <a:lstStyle/>
+          <a:p>
+            <a:endParaRPr lang="en-US" sz="3200" b="0" strike="noStrike" spc="-1">
               <a:solidFill>
                 <a:srgbClr val="000000"/>
               </a:solidFill>
@@ -477,11 +592,12 @@
           </a:prstGeom>
         </p:spPr>
         <p:txBody>
-          <a:bodyPr lIns="0" rIns="0" tIns="0" bIns="0">
+          <a:bodyPr lIns="0" tIns="0" rIns="0" bIns="0">
             <a:normAutofit/>
           </a:bodyPr>
-          <a:p>
-            <a:endParaRPr b="0" lang="en-US" sz="3200" spc="-1" strike="noStrike">
+          <a:lstStyle/>
+          <a:p>
+            <a:endParaRPr lang="en-US" sz="3200" b="0" strike="noStrike" spc="-1">
               <a:solidFill>
                 <a:srgbClr val="000000"/>
               </a:solidFill>
@@ -510,11 +626,12 @@
           </a:prstGeom>
         </p:spPr>
         <p:txBody>
-          <a:bodyPr lIns="0" rIns="0" tIns="0" bIns="0">
+          <a:bodyPr lIns="0" tIns="0" rIns="0" bIns="0">
             <a:normAutofit/>
           </a:bodyPr>
-          <a:p>
-            <a:endParaRPr b="0" lang="en-US" sz="3200" spc="-1" strike="noStrike">
+          <a:lstStyle/>
+          <a:p>
+            <a:endParaRPr lang="en-US" sz="3200" b="0" strike="noStrike" spc="-1">
               <a:solidFill>
                 <a:srgbClr val="000000"/>
               </a:solidFill>
@@ -543,11 +660,12 @@
           </a:prstGeom>
         </p:spPr>
         <p:txBody>
-          <a:bodyPr lIns="0" rIns="0" tIns="0" bIns="0">
+          <a:bodyPr lIns="0" tIns="0" rIns="0" bIns="0">
             <a:normAutofit/>
           </a:bodyPr>
-          <a:p>
-            <a:endParaRPr b="0" lang="en-US" sz="3200" spc="-1" strike="noStrike">
+          <a:lstStyle/>
+          <a:p>
+            <a:endParaRPr lang="en-US" sz="3200" b="0" strike="noStrike" spc="-1">
               <a:solidFill>
                 <a:srgbClr val="000000"/>
               </a:solidFill>
@@ -576,11 +694,12 @@
           </a:prstGeom>
         </p:spPr>
         <p:txBody>
-          <a:bodyPr lIns="0" rIns="0" tIns="0" bIns="0">
+          <a:bodyPr lIns="0" tIns="0" rIns="0" bIns="0">
             <a:normAutofit/>
           </a:bodyPr>
-          <a:p>
-            <a:endParaRPr b="0" lang="en-US" sz="3200" spc="-1" strike="noStrike">
+          <a:lstStyle/>
+          <a:p>
+            <a:endParaRPr lang="en-US" sz="3200" b="0" strike="noStrike" spc="-1">
               <a:solidFill>
                 <a:srgbClr val="000000"/>
               </a:solidFill>
@@ -591,11 +710,14 @@
       </p:sp>
     </p:spTree>
   </p:cSld>
+  <p:clrMapOvr>
+    <a:masterClrMapping/>
+  </p:clrMapOvr>
 </p:sldLayout>
 </file>
 
 <file path=ppt/slideLayouts/slideLayout13.xml><?xml version="1.0" encoding="utf-8"?>
-<p:sldLayout xmlns:a="http://schemas.openxmlformats.org/drawingml/2006/main" xmlns:p="http://schemas.openxmlformats.org/presentationml/2006/main" xmlns:r="http://schemas.openxmlformats.org/officeDocument/2006/relationships" xmlns:p14="http://schemas.microsoft.com/office/powerpoint/2010/main" xmlns:p15="http://schemas.microsoft.com/office/powerpoint/2012/main" xmlns:mc="http://schemas.openxmlformats.org/markup-compatibility/2006" type="blank" preserve="1">
+<p:sldLayout xmlns:a="http://schemas.openxmlformats.org/drawingml/2006/main" xmlns:r="http://schemas.openxmlformats.org/officeDocument/2006/relationships" xmlns:p="http://schemas.openxmlformats.org/presentationml/2006/main" type="blank" preserve="1">
   <p:cSld name="Blank Slide">
     <p:spTree>
       <p:nvGrpSpPr>
@@ -613,11 +735,14 @@
       </p:grpSpPr>
     </p:spTree>
   </p:cSld>
+  <p:clrMapOvr>
+    <a:masterClrMapping/>
+  </p:clrMapOvr>
 </p:sldLayout>
 </file>
 
 <file path=ppt/slideLayouts/slideLayout14.xml><?xml version="1.0" encoding="utf-8"?>
-<p:sldLayout xmlns:a="http://schemas.openxmlformats.org/drawingml/2006/main" xmlns:p="http://schemas.openxmlformats.org/presentationml/2006/main" xmlns:r="http://schemas.openxmlformats.org/officeDocument/2006/relationships" xmlns:p14="http://schemas.microsoft.com/office/powerpoint/2010/main" xmlns:p15="http://schemas.microsoft.com/office/powerpoint/2012/main" xmlns:mc="http://schemas.openxmlformats.org/markup-compatibility/2006" type="tx" preserve="1">
+<p:sldLayout xmlns:a="http://schemas.openxmlformats.org/drawingml/2006/main" xmlns:r="http://schemas.openxmlformats.org/officeDocument/2006/relationships" xmlns:p="http://schemas.openxmlformats.org/presentationml/2006/main" type="tx" preserve="1">
   <p:cSld name="Title Slide">
     <p:spTree>
       <p:nvGrpSpPr>
@@ -653,9 +778,10 @@
           </a:prstGeom>
         </p:spPr>
         <p:txBody>
-          <a:bodyPr lIns="0" rIns="0" tIns="0" bIns="0" anchor="ctr"/>
-          <a:p>
-            <a:endParaRPr b="0" lang="en-US" sz="1800" spc="-1" strike="noStrike">
+          <a:bodyPr lIns="0" tIns="0" rIns="0" bIns="0" anchor="ctr"/>
+          <a:lstStyle/>
+          <a:p>
+            <a:endParaRPr lang="en-US" sz="1800" b="0" strike="noStrike" spc="-1">
               <a:solidFill>
                 <a:srgbClr val="000000"/>
               </a:solidFill>
@@ -684,10 +810,11 @@
           </a:prstGeom>
         </p:spPr>
         <p:txBody>
-          <a:bodyPr lIns="0" rIns="0" tIns="0" bIns="0" anchor="ctr"/>
+          <a:bodyPr lIns="0" tIns="0" rIns="0" bIns="0" anchor="ctr"/>
+          <a:lstStyle/>
           <a:p>
             <a:pPr algn="ctr"/>
-            <a:endParaRPr b="0" lang="en-GB" sz="3200" spc="-1" strike="noStrike">
+            <a:endParaRPr lang="en-GB" sz="3200" b="0" strike="noStrike" spc="-1">
               <a:latin typeface="Arial"/>
             </a:endParaRPr>
           </a:p>
@@ -695,11 +822,14 @@
       </p:sp>
     </p:spTree>
   </p:cSld>
+  <p:clrMapOvr>
+    <a:masterClrMapping/>
+  </p:clrMapOvr>
 </p:sldLayout>
 </file>
 
 <file path=ppt/slideLayouts/slideLayout15.xml><?xml version="1.0" encoding="utf-8"?>
-<p:sldLayout xmlns:a="http://schemas.openxmlformats.org/drawingml/2006/main" xmlns:p="http://schemas.openxmlformats.org/presentationml/2006/main" xmlns:r="http://schemas.openxmlformats.org/officeDocument/2006/relationships" xmlns:p14="http://schemas.microsoft.com/office/powerpoint/2010/main" xmlns:p15="http://schemas.microsoft.com/office/powerpoint/2012/main" xmlns:mc="http://schemas.openxmlformats.org/markup-compatibility/2006" type="obj" preserve="1">
+<p:sldLayout xmlns:a="http://schemas.openxmlformats.org/drawingml/2006/main" xmlns:r="http://schemas.openxmlformats.org/officeDocument/2006/relationships" xmlns:p="http://schemas.openxmlformats.org/presentationml/2006/main" type="obj" preserve="1">
   <p:cSld name="Title, Content">
     <p:spTree>
       <p:nvGrpSpPr>
@@ -735,9 +865,10 @@
           </a:prstGeom>
         </p:spPr>
         <p:txBody>
-          <a:bodyPr lIns="0" rIns="0" tIns="0" bIns="0" anchor="ctr"/>
-          <a:p>
-            <a:endParaRPr b="0" lang="en-US" sz="1800" spc="-1" strike="noStrike">
+          <a:bodyPr lIns="0" tIns="0" rIns="0" bIns="0" anchor="ctr"/>
+          <a:lstStyle/>
+          <a:p>
+            <a:endParaRPr lang="en-US" sz="1800" b="0" strike="noStrike" spc="-1">
               <a:solidFill>
                 <a:srgbClr val="000000"/>
               </a:solidFill>
@@ -766,11 +897,12 @@
           </a:prstGeom>
         </p:spPr>
         <p:txBody>
-          <a:bodyPr lIns="0" rIns="0" tIns="0" bIns="0">
+          <a:bodyPr lIns="0" tIns="0" rIns="0" bIns="0">
             <a:normAutofit/>
           </a:bodyPr>
-          <a:p>
-            <a:endParaRPr b="0" lang="en-US" sz="3200" spc="-1" strike="noStrike">
+          <a:lstStyle/>
+          <a:p>
+            <a:endParaRPr lang="en-US" sz="3200" b="0" strike="noStrike" spc="-1">
               <a:solidFill>
                 <a:srgbClr val="000000"/>
               </a:solidFill>
@@ -781,11 +913,14 @@
       </p:sp>
     </p:spTree>
   </p:cSld>
+  <p:clrMapOvr>
+    <a:masterClrMapping/>
+  </p:clrMapOvr>
 </p:sldLayout>
 </file>
 
 <file path=ppt/slideLayouts/slideLayout16.xml><?xml version="1.0" encoding="utf-8"?>
-<p:sldLayout xmlns:a="http://schemas.openxmlformats.org/drawingml/2006/main" xmlns:p="http://schemas.openxmlformats.org/presentationml/2006/main" xmlns:r="http://schemas.openxmlformats.org/officeDocument/2006/relationships" xmlns:p14="http://schemas.microsoft.com/office/powerpoint/2010/main" xmlns:p15="http://schemas.microsoft.com/office/powerpoint/2012/main" xmlns:mc="http://schemas.openxmlformats.org/markup-compatibility/2006" type="twoObj" preserve="1">
+<p:sldLayout xmlns:a="http://schemas.openxmlformats.org/drawingml/2006/main" xmlns:r="http://schemas.openxmlformats.org/officeDocument/2006/relationships" xmlns:p="http://schemas.openxmlformats.org/presentationml/2006/main" type="twoObj" preserve="1">
   <p:cSld name="Title, 2 Content">
     <p:spTree>
       <p:nvGrpSpPr>
@@ -821,9 +956,10 @@
           </a:prstGeom>
         </p:spPr>
         <p:txBody>
-          <a:bodyPr lIns="0" rIns="0" tIns="0" bIns="0" anchor="ctr"/>
-          <a:p>
-            <a:endParaRPr b="0" lang="en-US" sz="1800" spc="-1" strike="noStrike">
+          <a:bodyPr lIns="0" tIns="0" rIns="0" bIns="0" anchor="ctr"/>
+          <a:lstStyle/>
+          <a:p>
+            <a:endParaRPr lang="en-US" sz="1800" b="0" strike="noStrike" spc="-1">
               <a:solidFill>
                 <a:srgbClr val="000000"/>
               </a:solidFill>
@@ -852,11 +988,12 @@
           </a:prstGeom>
         </p:spPr>
         <p:txBody>
-          <a:bodyPr lIns="0" rIns="0" tIns="0" bIns="0">
+          <a:bodyPr lIns="0" tIns="0" rIns="0" bIns="0">
             <a:normAutofit/>
           </a:bodyPr>
-          <a:p>
-            <a:endParaRPr b="0" lang="en-US" sz="3200" spc="-1" strike="noStrike">
+          <a:lstStyle/>
+          <a:p>
+            <a:endParaRPr lang="en-US" sz="3200" b="0" strike="noStrike" spc="-1">
               <a:solidFill>
                 <a:srgbClr val="000000"/>
               </a:solidFill>
@@ -885,11 +1022,12 @@
           </a:prstGeom>
         </p:spPr>
         <p:txBody>
-          <a:bodyPr lIns="0" rIns="0" tIns="0" bIns="0">
+          <a:bodyPr lIns="0" tIns="0" rIns="0" bIns="0">
             <a:normAutofit/>
           </a:bodyPr>
-          <a:p>
-            <a:endParaRPr b="0" lang="en-US" sz="3200" spc="-1" strike="noStrike">
+          <a:lstStyle/>
+          <a:p>
+            <a:endParaRPr lang="en-US" sz="3200" b="0" strike="noStrike" spc="-1">
               <a:solidFill>
                 <a:srgbClr val="000000"/>
               </a:solidFill>
@@ -900,11 +1038,14 @@
       </p:sp>
     </p:spTree>
   </p:cSld>
+  <p:clrMapOvr>
+    <a:masterClrMapping/>
+  </p:clrMapOvr>
 </p:sldLayout>
 </file>
 
 <file path=ppt/slideLayouts/slideLayout17.xml><?xml version="1.0" encoding="utf-8"?>
-<p:sldLayout xmlns:a="http://schemas.openxmlformats.org/drawingml/2006/main" xmlns:p="http://schemas.openxmlformats.org/presentationml/2006/main" xmlns:r="http://schemas.openxmlformats.org/officeDocument/2006/relationships" xmlns:p14="http://schemas.microsoft.com/office/powerpoint/2010/main" xmlns:p15="http://schemas.microsoft.com/office/powerpoint/2012/main" xmlns:mc="http://schemas.openxmlformats.org/markup-compatibility/2006" type="titleOnly" preserve="1">
+<p:sldLayout xmlns:a="http://schemas.openxmlformats.org/drawingml/2006/main" xmlns:r="http://schemas.openxmlformats.org/officeDocument/2006/relationships" xmlns:p="http://schemas.openxmlformats.org/presentationml/2006/main" type="titleOnly" preserve="1">
   <p:cSld name="Title Only">
     <p:spTree>
       <p:nvGrpSpPr>
@@ -940,9 +1081,10 @@
           </a:prstGeom>
         </p:spPr>
         <p:txBody>
-          <a:bodyPr lIns="0" rIns="0" tIns="0" bIns="0" anchor="ctr"/>
-          <a:p>
-            <a:endParaRPr b="0" lang="en-US" sz="1800" spc="-1" strike="noStrike">
+          <a:bodyPr lIns="0" tIns="0" rIns="0" bIns="0" anchor="ctr"/>
+          <a:lstStyle/>
+          <a:p>
+            <a:endParaRPr lang="en-US" sz="1800" b="0" strike="noStrike" spc="-1">
               <a:solidFill>
                 <a:srgbClr val="000000"/>
               </a:solidFill>
@@ -953,11 +1095,14 @@
       </p:sp>
     </p:spTree>
   </p:cSld>
+  <p:clrMapOvr>
+    <a:masterClrMapping/>
+  </p:clrMapOvr>
 </p:sldLayout>
 </file>
 
 <file path=ppt/slideLayouts/slideLayout18.xml><?xml version="1.0" encoding="utf-8"?>
-<p:sldLayout xmlns:a="http://schemas.openxmlformats.org/drawingml/2006/main" xmlns:p="http://schemas.openxmlformats.org/presentationml/2006/main" xmlns:r="http://schemas.openxmlformats.org/officeDocument/2006/relationships" xmlns:p14="http://schemas.microsoft.com/office/powerpoint/2010/main" xmlns:p15="http://schemas.microsoft.com/office/powerpoint/2012/main" xmlns:mc="http://schemas.openxmlformats.org/markup-compatibility/2006" type="objOnly" preserve="1">
+<p:sldLayout xmlns:a="http://schemas.openxmlformats.org/drawingml/2006/main" xmlns:r="http://schemas.openxmlformats.org/officeDocument/2006/relationships" xmlns:p="http://schemas.openxmlformats.org/presentationml/2006/main" type="objOnly" preserve="1">
   <p:cSld name="Centered Text">
     <p:spTree>
       <p:nvGrpSpPr>
@@ -993,10 +1138,11 @@
           </a:prstGeom>
         </p:spPr>
         <p:txBody>
-          <a:bodyPr lIns="0" rIns="0" tIns="0" bIns="0" anchor="ctr"/>
+          <a:bodyPr lIns="0" tIns="0" rIns="0" bIns="0" anchor="ctr"/>
+          <a:lstStyle/>
           <a:p>
             <a:pPr algn="ctr"/>
-            <a:endParaRPr b="0" lang="en-GB" sz="3200" spc="-1" strike="noStrike">
+            <a:endParaRPr lang="en-GB" sz="3200" b="0" strike="noStrike" spc="-1">
               <a:latin typeface="Arial"/>
             </a:endParaRPr>
           </a:p>
@@ -1004,11 +1150,14 @@
       </p:sp>
     </p:spTree>
   </p:cSld>
+  <p:clrMapOvr>
+    <a:masterClrMapping/>
+  </p:clrMapOvr>
 </p:sldLayout>
 </file>
 
 <file path=ppt/slideLayouts/slideLayout19.xml><?xml version="1.0" encoding="utf-8"?>
-<p:sldLayout xmlns:a="http://schemas.openxmlformats.org/drawingml/2006/main" xmlns:p="http://schemas.openxmlformats.org/presentationml/2006/main" xmlns:r="http://schemas.openxmlformats.org/officeDocument/2006/relationships" xmlns:p14="http://schemas.microsoft.com/office/powerpoint/2010/main" xmlns:p15="http://schemas.microsoft.com/office/powerpoint/2012/main" xmlns:mc="http://schemas.openxmlformats.org/markup-compatibility/2006" type="twoObjAndObj" preserve="1">
+<p:sldLayout xmlns:a="http://schemas.openxmlformats.org/drawingml/2006/main" xmlns:r="http://schemas.openxmlformats.org/officeDocument/2006/relationships" xmlns:p="http://schemas.openxmlformats.org/presentationml/2006/main" type="twoObjAndObj" preserve="1">
   <p:cSld name="Title, 2 Content and Content">
     <p:spTree>
       <p:nvGrpSpPr>
@@ -1044,9 +1193,10 @@
           </a:prstGeom>
         </p:spPr>
         <p:txBody>
-          <a:bodyPr lIns="0" rIns="0" tIns="0" bIns="0" anchor="ctr"/>
-          <a:p>
-            <a:endParaRPr b="0" lang="en-US" sz="1800" spc="-1" strike="noStrike">
+          <a:bodyPr lIns="0" tIns="0" rIns="0" bIns="0" anchor="ctr"/>
+          <a:lstStyle/>
+          <a:p>
+            <a:endParaRPr lang="en-US" sz="1800" b="0" strike="noStrike" spc="-1">
               <a:solidFill>
                 <a:srgbClr val="000000"/>
               </a:solidFill>
@@ -1075,11 +1225,12 @@
           </a:prstGeom>
         </p:spPr>
         <p:txBody>
-          <a:bodyPr lIns="0" rIns="0" tIns="0" bIns="0">
+          <a:bodyPr lIns="0" tIns="0" rIns="0" bIns="0">
             <a:normAutofit/>
           </a:bodyPr>
-          <a:p>
-            <a:endParaRPr b="0" lang="en-US" sz="3200" spc="-1" strike="noStrike">
+          <a:lstStyle/>
+          <a:p>
+            <a:endParaRPr lang="en-US" sz="3200" b="0" strike="noStrike" spc="-1">
               <a:solidFill>
                 <a:srgbClr val="000000"/>
               </a:solidFill>
@@ -1108,11 +1259,12 @@
           </a:prstGeom>
         </p:spPr>
         <p:txBody>
-          <a:bodyPr lIns="0" rIns="0" tIns="0" bIns="0">
+          <a:bodyPr lIns="0" tIns="0" rIns="0" bIns="0">
             <a:normAutofit/>
           </a:bodyPr>
-          <a:p>
-            <a:endParaRPr b="0" lang="en-US" sz="3200" spc="-1" strike="noStrike">
+          <a:lstStyle/>
+          <a:p>
+            <a:endParaRPr lang="en-US" sz="3200" b="0" strike="noStrike" spc="-1">
               <a:solidFill>
                 <a:srgbClr val="000000"/>
               </a:solidFill>
@@ -1141,11 +1293,12 @@
           </a:prstGeom>
         </p:spPr>
         <p:txBody>
-          <a:bodyPr lIns="0" rIns="0" tIns="0" bIns="0">
+          <a:bodyPr lIns="0" tIns="0" rIns="0" bIns="0">
             <a:normAutofit/>
           </a:bodyPr>
-          <a:p>
-            <a:endParaRPr b="0" lang="en-US" sz="3200" spc="-1" strike="noStrike">
+          <a:lstStyle/>
+          <a:p>
+            <a:endParaRPr lang="en-US" sz="3200" b="0" strike="noStrike" spc="-1">
               <a:solidFill>
                 <a:srgbClr val="000000"/>
               </a:solidFill>
@@ -1156,11 +1309,14 @@
       </p:sp>
     </p:spTree>
   </p:cSld>
+  <p:clrMapOvr>
+    <a:masterClrMapping/>
+  </p:clrMapOvr>
 </p:sldLayout>
 </file>
 
 <file path=ppt/slideLayouts/slideLayout2.xml><?xml version="1.0" encoding="utf-8"?>
-<p:sldLayout xmlns:a="http://schemas.openxmlformats.org/drawingml/2006/main" xmlns:p="http://schemas.openxmlformats.org/presentationml/2006/main" xmlns:r="http://schemas.openxmlformats.org/officeDocument/2006/relationships" xmlns:p14="http://schemas.microsoft.com/office/powerpoint/2010/main" xmlns:p15="http://schemas.microsoft.com/office/powerpoint/2012/main" xmlns:mc="http://schemas.openxmlformats.org/markup-compatibility/2006" type="tx" preserve="1">
+<p:sldLayout xmlns:a="http://schemas.openxmlformats.org/drawingml/2006/main" xmlns:r="http://schemas.openxmlformats.org/officeDocument/2006/relationships" xmlns:p="http://schemas.openxmlformats.org/presentationml/2006/main" type="tx" preserve="1">
   <p:cSld name="Title Slide">
     <p:spTree>
       <p:nvGrpSpPr>
@@ -1196,9 +1352,10 @@
           </a:prstGeom>
         </p:spPr>
         <p:txBody>
-          <a:bodyPr lIns="0" rIns="0" tIns="0" bIns="0" anchor="ctr"/>
-          <a:p>
-            <a:endParaRPr b="0" lang="en-US" sz="1800" spc="-1" strike="noStrike">
+          <a:bodyPr lIns="0" tIns="0" rIns="0" bIns="0" anchor="ctr"/>
+          <a:lstStyle/>
+          <a:p>
+            <a:endParaRPr lang="en-US" sz="1800" b="0" strike="noStrike" spc="-1">
               <a:solidFill>
                 <a:srgbClr val="000000"/>
               </a:solidFill>
@@ -1227,10 +1384,11 @@
           </a:prstGeom>
         </p:spPr>
         <p:txBody>
-          <a:bodyPr lIns="0" rIns="0" tIns="0" bIns="0" anchor="ctr"/>
+          <a:bodyPr lIns="0" tIns="0" rIns="0" bIns="0" anchor="ctr"/>
+          <a:lstStyle/>
           <a:p>
             <a:pPr algn="ctr"/>
-            <a:endParaRPr b="0" lang="en-GB" sz="3200" spc="-1" strike="noStrike">
+            <a:endParaRPr lang="en-GB" sz="3200" b="0" strike="noStrike" spc="-1">
               <a:latin typeface="Arial"/>
             </a:endParaRPr>
           </a:p>
@@ -1238,11 +1396,14 @@
       </p:sp>
     </p:spTree>
   </p:cSld>
+  <p:clrMapOvr>
+    <a:masterClrMapping/>
+  </p:clrMapOvr>
 </p:sldLayout>
 </file>
 
 <file path=ppt/slideLayouts/slideLayout20.xml><?xml version="1.0" encoding="utf-8"?>
-<p:sldLayout xmlns:a="http://schemas.openxmlformats.org/drawingml/2006/main" xmlns:p="http://schemas.openxmlformats.org/presentationml/2006/main" xmlns:r="http://schemas.openxmlformats.org/officeDocument/2006/relationships" xmlns:p14="http://schemas.microsoft.com/office/powerpoint/2010/main" xmlns:p15="http://schemas.microsoft.com/office/powerpoint/2012/main" xmlns:mc="http://schemas.openxmlformats.org/markup-compatibility/2006" type="objAndTwoObj" preserve="1">
+<p:sldLayout xmlns:a="http://schemas.openxmlformats.org/drawingml/2006/main" xmlns:r="http://schemas.openxmlformats.org/officeDocument/2006/relationships" xmlns:p="http://schemas.openxmlformats.org/presentationml/2006/main" type="objAndTwoObj" preserve="1">
   <p:cSld name="Title Content and 2 Content">
     <p:spTree>
       <p:nvGrpSpPr>
@@ -1278,9 +1439,10 @@
           </a:prstGeom>
         </p:spPr>
         <p:txBody>
-          <a:bodyPr lIns="0" rIns="0" tIns="0" bIns="0" anchor="ctr"/>
-          <a:p>
-            <a:endParaRPr b="0" lang="en-US" sz="1800" spc="-1" strike="noStrike">
+          <a:bodyPr lIns="0" tIns="0" rIns="0" bIns="0" anchor="ctr"/>
+          <a:lstStyle/>
+          <a:p>
+            <a:endParaRPr lang="en-US" sz="1800" b="0" strike="noStrike" spc="-1">
               <a:solidFill>
                 <a:srgbClr val="000000"/>
               </a:solidFill>
@@ -1309,11 +1471,12 @@
           </a:prstGeom>
         </p:spPr>
         <p:txBody>
-          <a:bodyPr lIns="0" rIns="0" tIns="0" bIns="0">
+          <a:bodyPr lIns="0" tIns="0" rIns="0" bIns="0">
             <a:normAutofit/>
           </a:bodyPr>
-          <a:p>
-            <a:endParaRPr b="0" lang="en-US" sz="3200" spc="-1" strike="noStrike">
+          <a:lstStyle/>
+          <a:p>
+            <a:endParaRPr lang="en-US" sz="3200" b="0" strike="noStrike" spc="-1">
               <a:solidFill>
                 <a:srgbClr val="000000"/>
               </a:solidFill>
@@ -1342,11 +1505,12 @@
           </a:prstGeom>
         </p:spPr>
         <p:txBody>
-          <a:bodyPr lIns="0" rIns="0" tIns="0" bIns="0">
+          <a:bodyPr lIns="0" tIns="0" rIns="0" bIns="0">
             <a:normAutofit/>
           </a:bodyPr>
-          <a:p>
-            <a:endParaRPr b="0" lang="en-US" sz="3200" spc="-1" strike="noStrike">
+          <a:lstStyle/>
+          <a:p>
+            <a:endParaRPr lang="en-US" sz="3200" b="0" strike="noStrike" spc="-1">
               <a:solidFill>
                 <a:srgbClr val="000000"/>
               </a:solidFill>
@@ -1375,11 +1539,12 @@
           </a:prstGeom>
         </p:spPr>
         <p:txBody>
-          <a:bodyPr lIns="0" rIns="0" tIns="0" bIns="0">
+          <a:bodyPr lIns="0" tIns="0" rIns="0" bIns="0">
             <a:normAutofit/>
           </a:bodyPr>
-          <a:p>
-            <a:endParaRPr b="0" lang="en-US" sz="3200" spc="-1" strike="noStrike">
+          <a:lstStyle/>
+          <a:p>
+            <a:endParaRPr lang="en-US" sz="3200" b="0" strike="noStrike" spc="-1">
               <a:solidFill>
                 <a:srgbClr val="000000"/>
               </a:solidFill>
@@ -1390,11 +1555,14 @@
       </p:sp>
     </p:spTree>
   </p:cSld>
+  <p:clrMapOvr>
+    <a:masterClrMapping/>
+  </p:clrMapOvr>
 </p:sldLayout>
 </file>
 
 <file path=ppt/slideLayouts/slideLayout21.xml><?xml version="1.0" encoding="utf-8"?>
-<p:sldLayout xmlns:a="http://schemas.openxmlformats.org/drawingml/2006/main" xmlns:p="http://schemas.openxmlformats.org/presentationml/2006/main" xmlns:r="http://schemas.openxmlformats.org/officeDocument/2006/relationships" xmlns:p14="http://schemas.microsoft.com/office/powerpoint/2010/main" xmlns:p15="http://schemas.microsoft.com/office/powerpoint/2012/main" xmlns:mc="http://schemas.openxmlformats.org/markup-compatibility/2006" type="twoObjOverTx" preserve="1">
+<p:sldLayout xmlns:a="http://schemas.openxmlformats.org/drawingml/2006/main" xmlns:r="http://schemas.openxmlformats.org/officeDocument/2006/relationships" xmlns:p="http://schemas.openxmlformats.org/presentationml/2006/main" type="twoObjOverTx" preserve="1">
   <p:cSld name="Title, 2 Content over Content">
     <p:spTree>
       <p:nvGrpSpPr>
@@ -1430,9 +1598,10 @@
           </a:prstGeom>
         </p:spPr>
         <p:txBody>
-          <a:bodyPr lIns="0" rIns="0" tIns="0" bIns="0" anchor="ctr"/>
-          <a:p>
-            <a:endParaRPr b="0" lang="en-US" sz="1800" spc="-1" strike="noStrike">
+          <a:bodyPr lIns="0" tIns="0" rIns="0" bIns="0" anchor="ctr"/>
+          <a:lstStyle/>
+          <a:p>
+            <a:endParaRPr lang="en-US" sz="1800" b="0" strike="noStrike" spc="-1">
               <a:solidFill>
                 <a:srgbClr val="000000"/>
               </a:solidFill>
@@ -1461,11 +1630,12 @@
           </a:prstGeom>
         </p:spPr>
         <p:txBody>
-          <a:bodyPr lIns="0" rIns="0" tIns="0" bIns="0">
+          <a:bodyPr lIns="0" tIns="0" rIns="0" bIns="0">
             <a:normAutofit/>
           </a:bodyPr>
-          <a:p>
-            <a:endParaRPr b="0" lang="en-US" sz="3200" spc="-1" strike="noStrike">
+          <a:lstStyle/>
+          <a:p>
+            <a:endParaRPr lang="en-US" sz="3200" b="0" strike="noStrike" spc="-1">
               <a:solidFill>
                 <a:srgbClr val="000000"/>
               </a:solidFill>
@@ -1494,11 +1664,12 @@
           </a:prstGeom>
         </p:spPr>
         <p:txBody>
-          <a:bodyPr lIns="0" rIns="0" tIns="0" bIns="0">
+          <a:bodyPr lIns="0" tIns="0" rIns="0" bIns="0">
             <a:normAutofit/>
           </a:bodyPr>
-          <a:p>
-            <a:endParaRPr b="0" lang="en-US" sz="3200" spc="-1" strike="noStrike">
+          <a:lstStyle/>
+          <a:p>
+            <a:endParaRPr lang="en-US" sz="3200" b="0" strike="noStrike" spc="-1">
               <a:solidFill>
                 <a:srgbClr val="000000"/>
               </a:solidFill>
@@ -1527,11 +1698,12 @@
           </a:prstGeom>
         </p:spPr>
         <p:txBody>
-          <a:bodyPr lIns="0" rIns="0" tIns="0" bIns="0">
+          <a:bodyPr lIns="0" tIns="0" rIns="0" bIns="0">
             <a:normAutofit/>
           </a:bodyPr>
-          <a:p>
-            <a:endParaRPr b="0" lang="en-US" sz="3200" spc="-1" strike="noStrike">
+          <a:lstStyle/>
+          <a:p>
+            <a:endParaRPr lang="en-US" sz="3200" b="0" strike="noStrike" spc="-1">
               <a:solidFill>
                 <a:srgbClr val="000000"/>
               </a:solidFill>
@@ -1542,11 +1714,14 @@
       </p:sp>
     </p:spTree>
   </p:cSld>
+  <p:clrMapOvr>
+    <a:masterClrMapping/>
+  </p:clrMapOvr>
 </p:sldLayout>
 </file>
 
 <file path=ppt/slideLayouts/slideLayout22.xml><?xml version="1.0" encoding="utf-8"?>
-<p:sldLayout xmlns:a="http://schemas.openxmlformats.org/drawingml/2006/main" xmlns:p="http://schemas.openxmlformats.org/presentationml/2006/main" xmlns:r="http://schemas.openxmlformats.org/officeDocument/2006/relationships" xmlns:p14="http://schemas.microsoft.com/office/powerpoint/2010/main" xmlns:p15="http://schemas.microsoft.com/office/powerpoint/2012/main" xmlns:mc="http://schemas.openxmlformats.org/markup-compatibility/2006" type="objOverTx" preserve="1">
+<p:sldLayout xmlns:a="http://schemas.openxmlformats.org/drawingml/2006/main" xmlns:r="http://schemas.openxmlformats.org/officeDocument/2006/relationships" xmlns:p="http://schemas.openxmlformats.org/presentationml/2006/main" type="objOverTx" preserve="1">
   <p:cSld name="Title, Content over Content">
     <p:spTree>
       <p:nvGrpSpPr>
@@ -1582,9 +1757,10 @@
           </a:prstGeom>
         </p:spPr>
         <p:txBody>
-          <a:bodyPr lIns="0" rIns="0" tIns="0" bIns="0" anchor="ctr"/>
-          <a:p>
-            <a:endParaRPr b="0" lang="en-US" sz="1800" spc="-1" strike="noStrike">
+          <a:bodyPr lIns="0" tIns="0" rIns="0" bIns="0" anchor="ctr"/>
+          <a:lstStyle/>
+          <a:p>
+            <a:endParaRPr lang="en-US" sz="1800" b="0" strike="noStrike" spc="-1">
               <a:solidFill>
                 <a:srgbClr val="000000"/>
               </a:solidFill>
@@ -1613,11 +1789,12 @@
           </a:prstGeom>
         </p:spPr>
         <p:txBody>
-          <a:bodyPr lIns="0" rIns="0" tIns="0" bIns="0">
+          <a:bodyPr lIns="0" tIns="0" rIns="0" bIns="0">
             <a:normAutofit/>
           </a:bodyPr>
-          <a:p>
-            <a:endParaRPr b="0" lang="en-US" sz="3200" spc="-1" strike="noStrike">
+          <a:lstStyle/>
+          <a:p>
+            <a:endParaRPr lang="en-US" sz="3200" b="0" strike="noStrike" spc="-1">
               <a:solidFill>
                 <a:srgbClr val="000000"/>
               </a:solidFill>
@@ -1646,11 +1823,12 @@
           </a:prstGeom>
         </p:spPr>
         <p:txBody>
-          <a:bodyPr lIns="0" rIns="0" tIns="0" bIns="0">
+          <a:bodyPr lIns="0" tIns="0" rIns="0" bIns="0">
             <a:normAutofit/>
           </a:bodyPr>
-          <a:p>
-            <a:endParaRPr b="0" lang="en-US" sz="3200" spc="-1" strike="noStrike">
+          <a:lstStyle/>
+          <a:p>
+            <a:endParaRPr lang="en-US" sz="3200" b="0" strike="noStrike" spc="-1">
               <a:solidFill>
                 <a:srgbClr val="000000"/>
               </a:solidFill>
@@ -1661,11 +1839,14 @@
       </p:sp>
     </p:spTree>
   </p:cSld>
+  <p:clrMapOvr>
+    <a:masterClrMapping/>
+  </p:clrMapOvr>
 </p:sldLayout>
 </file>
 
 <file path=ppt/slideLayouts/slideLayout23.xml><?xml version="1.0" encoding="utf-8"?>
-<p:sldLayout xmlns:a="http://schemas.openxmlformats.org/drawingml/2006/main" xmlns:p="http://schemas.openxmlformats.org/presentationml/2006/main" xmlns:r="http://schemas.openxmlformats.org/officeDocument/2006/relationships" xmlns:p14="http://schemas.microsoft.com/office/powerpoint/2010/main" xmlns:p15="http://schemas.microsoft.com/office/powerpoint/2012/main" xmlns:mc="http://schemas.openxmlformats.org/markup-compatibility/2006" type="fourObj" preserve="1">
+<p:sldLayout xmlns:a="http://schemas.openxmlformats.org/drawingml/2006/main" xmlns:r="http://schemas.openxmlformats.org/officeDocument/2006/relationships" xmlns:p="http://schemas.openxmlformats.org/presentationml/2006/main" type="fourObj" preserve="1">
   <p:cSld name="Title, 4 Content">
     <p:spTree>
       <p:nvGrpSpPr>
@@ -1701,9 +1882,10 @@
           </a:prstGeom>
         </p:spPr>
         <p:txBody>
-          <a:bodyPr lIns="0" rIns="0" tIns="0" bIns="0" anchor="ctr"/>
-          <a:p>
-            <a:endParaRPr b="0" lang="en-US" sz="1800" spc="-1" strike="noStrike">
+          <a:bodyPr lIns="0" tIns="0" rIns="0" bIns="0" anchor="ctr"/>
+          <a:lstStyle/>
+          <a:p>
+            <a:endParaRPr lang="en-US" sz="1800" b="0" strike="noStrike" spc="-1">
               <a:solidFill>
                 <a:srgbClr val="000000"/>
               </a:solidFill>
@@ -1732,11 +1914,12 @@
           </a:prstGeom>
         </p:spPr>
         <p:txBody>
-          <a:bodyPr lIns="0" rIns="0" tIns="0" bIns="0">
+          <a:bodyPr lIns="0" tIns="0" rIns="0" bIns="0">
             <a:normAutofit/>
           </a:bodyPr>
-          <a:p>
-            <a:endParaRPr b="0" lang="en-US" sz="3200" spc="-1" strike="noStrike">
+          <a:lstStyle/>
+          <a:p>
+            <a:endParaRPr lang="en-US" sz="3200" b="0" strike="noStrike" spc="-1">
               <a:solidFill>
                 <a:srgbClr val="000000"/>
               </a:solidFill>
@@ -1765,11 +1948,12 @@
           </a:prstGeom>
         </p:spPr>
         <p:txBody>
-          <a:bodyPr lIns="0" rIns="0" tIns="0" bIns="0">
+          <a:bodyPr lIns="0" tIns="0" rIns="0" bIns="0">
             <a:normAutofit/>
           </a:bodyPr>
-          <a:p>
-            <a:endParaRPr b="0" lang="en-US" sz="3200" spc="-1" strike="noStrike">
+          <a:lstStyle/>
+          <a:p>
+            <a:endParaRPr lang="en-US" sz="3200" b="0" strike="noStrike" spc="-1">
               <a:solidFill>
                 <a:srgbClr val="000000"/>
               </a:solidFill>
@@ -1798,11 +1982,12 @@
           </a:prstGeom>
         </p:spPr>
         <p:txBody>
-          <a:bodyPr lIns="0" rIns="0" tIns="0" bIns="0">
+          <a:bodyPr lIns="0" tIns="0" rIns="0" bIns="0">
             <a:normAutofit/>
           </a:bodyPr>
-          <a:p>
-            <a:endParaRPr b="0" lang="en-US" sz="3200" spc="-1" strike="noStrike">
+          <a:lstStyle/>
+          <a:p>
+            <a:endParaRPr lang="en-US" sz="3200" b="0" strike="noStrike" spc="-1">
               <a:solidFill>
                 <a:srgbClr val="000000"/>
               </a:solidFill>
@@ -1831,11 +2016,12 @@
           </a:prstGeom>
         </p:spPr>
         <p:txBody>
-          <a:bodyPr lIns="0" rIns="0" tIns="0" bIns="0">
+          <a:bodyPr lIns="0" tIns="0" rIns="0" bIns="0">
             <a:normAutofit/>
           </a:bodyPr>
-          <a:p>
-            <a:endParaRPr b="0" lang="en-US" sz="3200" spc="-1" strike="noStrike">
+          <a:lstStyle/>
+          <a:p>
+            <a:endParaRPr lang="en-US" sz="3200" b="0" strike="noStrike" spc="-1">
               <a:solidFill>
                 <a:srgbClr val="000000"/>
               </a:solidFill>
@@ -1846,11 +2032,14 @@
       </p:sp>
     </p:spTree>
   </p:cSld>
+  <p:clrMapOvr>
+    <a:masterClrMapping/>
+  </p:clrMapOvr>
 </p:sldLayout>
 </file>
 
 <file path=ppt/slideLayouts/slideLayout24.xml><?xml version="1.0" encoding="utf-8"?>
-<p:sldLayout xmlns:a="http://schemas.openxmlformats.org/drawingml/2006/main" xmlns:p="http://schemas.openxmlformats.org/presentationml/2006/main" xmlns:r="http://schemas.openxmlformats.org/officeDocument/2006/relationships" xmlns:p14="http://schemas.microsoft.com/office/powerpoint/2010/main" xmlns:p15="http://schemas.microsoft.com/office/powerpoint/2012/main" xmlns:mc="http://schemas.openxmlformats.org/markup-compatibility/2006" type="blank" preserve="1">
+<p:sldLayout xmlns:a="http://schemas.openxmlformats.org/drawingml/2006/main" xmlns:r="http://schemas.openxmlformats.org/officeDocument/2006/relationships" xmlns:p="http://schemas.openxmlformats.org/presentationml/2006/main" type="blank" preserve="1">
   <p:cSld name="Title, 6 Content">
     <p:spTree>
       <p:nvGrpSpPr>
@@ -1886,9 +2075,10 @@
           </a:prstGeom>
         </p:spPr>
         <p:txBody>
-          <a:bodyPr lIns="0" rIns="0" tIns="0" bIns="0" anchor="ctr"/>
-          <a:p>
-            <a:endParaRPr b="0" lang="en-US" sz="1800" spc="-1" strike="noStrike">
+          <a:bodyPr lIns="0" tIns="0" rIns="0" bIns="0" anchor="ctr"/>
+          <a:lstStyle/>
+          <a:p>
+            <a:endParaRPr lang="en-US" sz="1800" b="0" strike="noStrike" spc="-1">
               <a:solidFill>
                 <a:srgbClr val="000000"/>
               </a:solidFill>
@@ -1917,11 +2107,12 @@
           </a:prstGeom>
         </p:spPr>
         <p:txBody>
-          <a:bodyPr lIns="0" rIns="0" tIns="0" bIns="0">
+          <a:bodyPr lIns="0" tIns="0" rIns="0" bIns="0">
             <a:normAutofit/>
           </a:bodyPr>
-          <a:p>
-            <a:endParaRPr b="0" lang="en-US" sz="3200" spc="-1" strike="noStrike">
+          <a:lstStyle/>
+          <a:p>
+            <a:endParaRPr lang="en-US" sz="3200" b="0" strike="noStrike" spc="-1">
               <a:solidFill>
                 <a:srgbClr val="000000"/>
               </a:solidFill>
@@ -1950,11 +2141,12 @@
           </a:prstGeom>
         </p:spPr>
         <p:txBody>
-          <a:bodyPr lIns="0" rIns="0" tIns="0" bIns="0">
+          <a:bodyPr lIns="0" tIns="0" rIns="0" bIns="0">
             <a:normAutofit/>
           </a:bodyPr>
-          <a:p>
-            <a:endParaRPr b="0" lang="en-US" sz="3200" spc="-1" strike="noStrike">
+          <a:lstStyle/>
+          <a:p>
+            <a:endParaRPr lang="en-US" sz="3200" b="0" strike="noStrike" spc="-1">
               <a:solidFill>
                 <a:srgbClr val="000000"/>
               </a:solidFill>
@@ -1983,11 +2175,12 @@
           </a:prstGeom>
         </p:spPr>
         <p:txBody>
-          <a:bodyPr lIns="0" rIns="0" tIns="0" bIns="0">
+          <a:bodyPr lIns="0" tIns="0" rIns="0" bIns="0">
             <a:normAutofit/>
           </a:bodyPr>
-          <a:p>
-            <a:endParaRPr b="0" lang="en-US" sz="3200" spc="-1" strike="noStrike">
+          <a:lstStyle/>
+          <a:p>
+            <a:endParaRPr lang="en-US" sz="3200" b="0" strike="noStrike" spc="-1">
               <a:solidFill>
                 <a:srgbClr val="000000"/>
               </a:solidFill>
@@ -2016,11 +2209,12 @@
           </a:prstGeom>
         </p:spPr>
         <p:txBody>
-          <a:bodyPr lIns="0" rIns="0" tIns="0" bIns="0">
+          <a:bodyPr lIns="0" tIns="0" rIns="0" bIns="0">
             <a:normAutofit/>
           </a:bodyPr>
-          <a:p>
-            <a:endParaRPr b="0" lang="en-US" sz="3200" spc="-1" strike="noStrike">
+          <a:lstStyle/>
+          <a:p>
+            <a:endParaRPr lang="en-US" sz="3200" b="0" strike="noStrike" spc="-1">
               <a:solidFill>
                 <a:srgbClr val="000000"/>
               </a:solidFill>
@@ -2049,11 +2243,12 @@
           </a:prstGeom>
         </p:spPr>
         <p:txBody>
-          <a:bodyPr lIns="0" rIns="0" tIns="0" bIns="0">
+          <a:bodyPr lIns="0" tIns="0" rIns="0" bIns="0">
             <a:normAutofit/>
           </a:bodyPr>
-          <a:p>
-            <a:endParaRPr b="0" lang="en-US" sz="3200" spc="-1" strike="noStrike">
+          <a:lstStyle/>
+          <a:p>
+            <a:endParaRPr lang="en-US" sz="3200" b="0" strike="noStrike" spc="-1">
               <a:solidFill>
                 <a:srgbClr val="000000"/>
               </a:solidFill>
@@ -2082,11 +2277,12 @@
           </a:prstGeom>
         </p:spPr>
         <p:txBody>
-          <a:bodyPr lIns="0" rIns="0" tIns="0" bIns="0">
+          <a:bodyPr lIns="0" tIns="0" rIns="0" bIns="0">
             <a:normAutofit/>
           </a:bodyPr>
-          <a:p>
-            <a:endParaRPr b="0" lang="en-US" sz="3200" spc="-1" strike="noStrike">
+          <a:lstStyle/>
+          <a:p>
+            <a:endParaRPr lang="en-US" sz="3200" b="0" strike="noStrike" spc="-1">
               <a:solidFill>
                 <a:srgbClr val="000000"/>
               </a:solidFill>
@@ -2097,11 +2293,14 @@
       </p:sp>
     </p:spTree>
   </p:cSld>
+  <p:clrMapOvr>
+    <a:masterClrMapping/>
+  </p:clrMapOvr>
 </p:sldLayout>
 </file>
 
 <file path=ppt/slideLayouts/slideLayout3.xml><?xml version="1.0" encoding="utf-8"?>
-<p:sldLayout xmlns:a="http://schemas.openxmlformats.org/drawingml/2006/main" xmlns:p="http://schemas.openxmlformats.org/presentationml/2006/main" xmlns:r="http://schemas.openxmlformats.org/officeDocument/2006/relationships" xmlns:p14="http://schemas.microsoft.com/office/powerpoint/2010/main" xmlns:p15="http://schemas.microsoft.com/office/powerpoint/2012/main" xmlns:mc="http://schemas.openxmlformats.org/markup-compatibility/2006" type="obj" preserve="1">
+<p:sldLayout xmlns:a="http://schemas.openxmlformats.org/drawingml/2006/main" xmlns:r="http://schemas.openxmlformats.org/officeDocument/2006/relationships" xmlns:p="http://schemas.openxmlformats.org/presentationml/2006/main" type="obj" preserve="1">
   <p:cSld name="Title, Content">
     <p:spTree>
       <p:nvGrpSpPr>
@@ -2137,9 +2336,10 @@
           </a:prstGeom>
         </p:spPr>
         <p:txBody>
-          <a:bodyPr lIns="0" rIns="0" tIns="0" bIns="0" anchor="ctr"/>
-          <a:p>
-            <a:endParaRPr b="0" lang="en-US" sz="1800" spc="-1" strike="noStrike">
+          <a:bodyPr lIns="0" tIns="0" rIns="0" bIns="0" anchor="ctr"/>
+          <a:lstStyle/>
+          <a:p>
+            <a:endParaRPr lang="en-US" sz="1800" b="0" strike="noStrike" spc="-1">
               <a:solidFill>
                 <a:srgbClr val="000000"/>
               </a:solidFill>
@@ -2168,11 +2368,12 @@
           </a:prstGeom>
         </p:spPr>
         <p:txBody>
-          <a:bodyPr lIns="0" rIns="0" tIns="0" bIns="0">
+          <a:bodyPr lIns="0" tIns="0" rIns="0" bIns="0">
             <a:normAutofit/>
           </a:bodyPr>
-          <a:p>
-            <a:endParaRPr b="0" lang="en-US" sz="3200" spc="-1" strike="noStrike">
+          <a:lstStyle/>
+          <a:p>
+            <a:endParaRPr lang="en-US" sz="3200" b="0" strike="noStrike" spc="-1">
               <a:solidFill>
                 <a:srgbClr val="000000"/>
               </a:solidFill>
@@ -2183,11 +2384,14 @@
       </p:sp>
     </p:spTree>
   </p:cSld>
+  <p:clrMapOvr>
+    <a:masterClrMapping/>
+  </p:clrMapOvr>
 </p:sldLayout>
 </file>
 
 <file path=ppt/slideLayouts/slideLayout4.xml><?xml version="1.0" encoding="utf-8"?>
-<p:sldLayout xmlns:a="http://schemas.openxmlformats.org/drawingml/2006/main" xmlns:p="http://schemas.openxmlformats.org/presentationml/2006/main" xmlns:r="http://schemas.openxmlformats.org/officeDocument/2006/relationships" xmlns:p14="http://schemas.microsoft.com/office/powerpoint/2010/main" xmlns:p15="http://schemas.microsoft.com/office/powerpoint/2012/main" xmlns:mc="http://schemas.openxmlformats.org/markup-compatibility/2006" type="twoObj" preserve="1">
+<p:sldLayout xmlns:a="http://schemas.openxmlformats.org/drawingml/2006/main" xmlns:r="http://schemas.openxmlformats.org/officeDocument/2006/relationships" xmlns:p="http://schemas.openxmlformats.org/presentationml/2006/main" type="twoObj" preserve="1">
   <p:cSld name="Title, 2 Content">
     <p:spTree>
       <p:nvGrpSpPr>
@@ -2223,9 +2427,10 @@
           </a:prstGeom>
         </p:spPr>
         <p:txBody>
-          <a:bodyPr lIns="0" rIns="0" tIns="0" bIns="0" anchor="ctr"/>
-          <a:p>
-            <a:endParaRPr b="0" lang="en-US" sz="1800" spc="-1" strike="noStrike">
+          <a:bodyPr lIns="0" tIns="0" rIns="0" bIns="0" anchor="ctr"/>
+          <a:lstStyle/>
+          <a:p>
+            <a:endParaRPr lang="en-US" sz="1800" b="0" strike="noStrike" spc="-1">
               <a:solidFill>
                 <a:srgbClr val="000000"/>
               </a:solidFill>
@@ -2254,11 +2459,12 @@
           </a:prstGeom>
         </p:spPr>
         <p:txBody>
-          <a:bodyPr lIns="0" rIns="0" tIns="0" bIns="0">
+          <a:bodyPr lIns="0" tIns="0" rIns="0" bIns="0">
             <a:normAutofit/>
           </a:bodyPr>
-          <a:p>
-            <a:endParaRPr b="0" lang="en-US" sz="3200" spc="-1" strike="noStrike">
+          <a:lstStyle/>
+          <a:p>
+            <a:endParaRPr lang="en-US" sz="3200" b="0" strike="noStrike" spc="-1">
               <a:solidFill>
                 <a:srgbClr val="000000"/>
               </a:solidFill>
@@ -2287,11 +2493,12 @@
           </a:prstGeom>
         </p:spPr>
         <p:txBody>
-          <a:bodyPr lIns="0" rIns="0" tIns="0" bIns="0">
+          <a:bodyPr lIns="0" tIns="0" rIns="0" bIns="0">
             <a:normAutofit/>
           </a:bodyPr>
-          <a:p>
-            <a:endParaRPr b="0" lang="en-US" sz="3200" spc="-1" strike="noStrike">
+          <a:lstStyle/>
+          <a:p>
+            <a:endParaRPr lang="en-US" sz="3200" b="0" strike="noStrike" spc="-1">
               <a:solidFill>
                 <a:srgbClr val="000000"/>
               </a:solidFill>
@@ -2302,11 +2509,14 @@
       </p:sp>
     </p:spTree>
   </p:cSld>
+  <p:clrMapOvr>
+    <a:masterClrMapping/>
+  </p:clrMapOvr>
 </p:sldLayout>
 </file>
 
 <file path=ppt/slideLayouts/slideLayout5.xml><?xml version="1.0" encoding="utf-8"?>
-<p:sldLayout xmlns:a="http://schemas.openxmlformats.org/drawingml/2006/main" xmlns:p="http://schemas.openxmlformats.org/presentationml/2006/main" xmlns:r="http://schemas.openxmlformats.org/officeDocument/2006/relationships" xmlns:p14="http://schemas.microsoft.com/office/powerpoint/2010/main" xmlns:p15="http://schemas.microsoft.com/office/powerpoint/2012/main" xmlns:mc="http://schemas.openxmlformats.org/markup-compatibility/2006" type="titleOnly" preserve="1">
+<p:sldLayout xmlns:a="http://schemas.openxmlformats.org/drawingml/2006/main" xmlns:r="http://schemas.openxmlformats.org/officeDocument/2006/relationships" xmlns:p="http://schemas.openxmlformats.org/presentationml/2006/main" type="titleOnly" preserve="1">
   <p:cSld name="Title Only">
     <p:spTree>
       <p:nvGrpSpPr>
@@ -2342,9 +2552,10 @@
           </a:prstGeom>
         </p:spPr>
         <p:txBody>
-          <a:bodyPr lIns="0" rIns="0" tIns="0" bIns="0" anchor="ctr"/>
-          <a:p>
-            <a:endParaRPr b="0" lang="en-US" sz="1800" spc="-1" strike="noStrike">
+          <a:bodyPr lIns="0" tIns="0" rIns="0" bIns="0" anchor="ctr"/>
+          <a:lstStyle/>
+          <a:p>
+            <a:endParaRPr lang="en-US" sz="1800" b="0" strike="noStrike" spc="-1">
               <a:solidFill>
                 <a:srgbClr val="000000"/>
               </a:solidFill>
@@ -2355,11 +2566,14 @@
       </p:sp>
     </p:spTree>
   </p:cSld>
+  <p:clrMapOvr>
+    <a:masterClrMapping/>
+  </p:clrMapOvr>
 </p:sldLayout>
 </file>
 
 <file path=ppt/slideLayouts/slideLayout6.xml><?xml version="1.0" encoding="utf-8"?>
-<p:sldLayout xmlns:a="http://schemas.openxmlformats.org/drawingml/2006/main" xmlns:p="http://schemas.openxmlformats.org/presentationml/2006/main" xmlns:r="http://schemas.openxmlformats.org/officeDocument/2006/relationships" xmlns:p14="http://schemas.microsoft.com/office/powerpoint/2010/main" xmlns:p15="http://schemas.microsoft.com/office/powerpoint/2012/main" xmlns:mc="http://schemas.openxmlformats.org/markup-compatibility/2006" type="objOnly" preserve="1">
+<p:sldLayout xmlns:a="http://schemas.openxmlformats.org/drawingml/2006/main" xmlns:r="http://schemas.openxmlformats.org/officeDocument/2006/relationships" xmlns:p="http://schemas.openxmlformats.org/presentationml/2006/main" type="objOnly" preserve="1">
   <p:cSld name="Centered Text">
     <p:spTree>
       <p:nvGrpSpPr>
@@ -2395,10 +2609,11 @@
           </a:prstGeom>
         </p:spPr>
         <p:txBody>
-          <a:bodyPr lIns="0" rIns="0" tIns="0" bIns="0" anchor="ctr"/>
+          <a:bodyPr lIns="0" tIns="0" rIns="0" bIns="0" anchor="ctr"/>
+          <a:lstStyle/>
           <a:p>
             <a:pPr algn="ctr"/>
-            <a:endParaRPr b="0" lang="en-GB" sz="3200" spc="-1" strike="noStrike">
+            <a:endParaRPr lang="en-GB" sz="3200" b="0" strike="noStrike" spc="-1">
               <a:latin typeface="Arial"/>
             </a:endParaRPr>
           </a:p>
@@ -2406,11 +2621,14 @@
       </p:sp>
     </p:spTree>
   </p:cSld>
+  <p:clrMapOvr>
+    <a:masterClrMapping/>
+  </p:clrMapOvr>
 </p:sldLayout>
 </file>
 
 <file path=ppt/slideLayouts/slideLayout7.xml><?xml version="1.0" encoding="utf-8"?>
-<p:sldLayout xmlns:a="http://schemas.openxmlformats.org/drawingml/2006/main" xmlns:p="http://schemas.openxmlformats.org/presentationml/2006/main" xmlns:r="http://schemas.openxmlformats.org/officeDocument/2006/relationships" xmlns:p14="http://schemas.microsoft.com/office/powerpoint/2010/main" xmlns:p15="http://schemas.microsoft.com/office/powerpoint/2012/main" xmlns:mc="http://schemas.openxmlformats.org/markup-compatibility/2006" type="twoObjAndObj" preserve="1">
+<p:sldLayout xmlns:a="http://schemas.openxmlformats.org/drawingml/2006/main" xmlns:r="http://schemas.openxmlformats.org/officeDocument/2006/relationships" xmlns:p="http://schemas.openxmlformats.org/presentationml/2006/main" type="twoObjAndObj" preserve="1">
   <p:cSld name="Title, 2 Content and Content">
     <p:spTree>
       <p:nvGrpSpPr>
@@ -2446,9 +2664,10 @@
           </a:prstGeom>
         </p:spPr>
         <p:txBody>
-          <a:bodyPr lIns="0" rIns="0" tIns="0" bIns="0" anchor="ctr"/>
-          <a:p>
-            <a:endParaRPr b="0" lang="en-US" sz="1800" spc="-1" strike="noStrike">
+          <a:bodyPr lIns="0" tIns="0" rIns="0" bIns="0" anchor="ctr"/>
+          <a:lstStyle/>
+          <a:p>
+            <a:endParaRPr lang="en-US" sz="1800" b="0" strike="noStrike" spc="-1">
               <a:solidFill>
                 <a:srgbClr val="000000"/>
               </a:solidFill>
@@ -2477,11 +2696,12 @@
           </a:prstGeom>
         </p:spPr>
         <p:txBody>
-          <a:bodyPr lIns="0" rIns="0" tIns="0" bIns="0">
+          <a:bodyPr lIns="0" tIns="0" rIns="0" bIns="0">
             <a:normAutofit/>
           </a:bodyPr>
-          <a:p>
-            <a:endParaRPr b="0" lang="en-US" sz="3200" spc="-1" strike="noStrike">
+          <a:lstStyle/>
+          <a:p>
+            <a:endParaRPr lang="en-US" sz="3200" b="0" strike="noStrike" spc="-1">
               <a:solidFill>
                 <a:srgbClr val="000000"/>
               </a:solidFill>
@@ -2510,11 +2730,12 @@
           </a:prstGeom>
         </p:spPr>
         <p:txBody>
-          <a:bodyPr lIns="0" rIns="0" tIns="0" bIns="0">
+          <a:bodyPr lIns="0" tIns="0" rIns="0" bIns="0">
             <a:normAutofit/>
           </a:bodyPr>
-          <a:p>
-            <a:endParaRPr b="0" lang="en-US" sz="3200" spc="-1" strike="noStrike">
+          <a:lstStyle/>
+          <a:p>
+            <a:endParaRPr lang="en-US" sz="3200" b="0" strike="noStrike" spc="-1">
               <a:solidFill>
                 <a:srgbClr val="000000"/>
               </a:solidFill>
@@ -2543,11 +2764,12 @@
           </a:prstGeom>
         </p:spPr>
         <p:txBody>
-          <a:bodyPr lIns="0" rIns="0" tIns="0" bIns="0">
+          <a:bodyPr lIns="0" tIns="0" rIns="0" bIns="0">
             <a:normAutofit/>
           </a:bodyPr>
-          <a:p>
-            <a:endParaRPr b="0" lang="en-US" sz="3200" spc="-1" strike="noStrike">
+          <a:lstStyle/>
+          <a:p>
+            <a:endParaRPr lang="en-US" sz="3200" b="0" strike="noStrike" spc="-1">
               <a:solidFill>
                 <a:srgbClr val="000000"/>
               </a:solidFill>
@@ -2558,11 +2780,14 @@
       </p:sp>
     </p:spTree>
   </p:cSld>
+  <p:clrMapOvr>
+    <a:masterClrMapping/>
+  </p:clrMapOvr>
 </p:sldLayout>
 </file>
 
 <file path=ppt/slideLayouts/slideLayout8.xml><?xml version="1.0" encoding="utf-8"?>
-<p:sldLayout xmlns:a="http://schemas.openxmlformats.org/drawingml/2006/main" xmlns:p="http://schemas.openxmlformats.org/presentationml/2006/main" xmlns:r="http://schemas.openxmlformats.org/officeDocument/2006/relationships" xmlns:p14="http://schemas.microsoft.com/office/powerpoint/2010/main" xmlns:p15="http://schemas.microsoft.com/office/powerpoint/2012/main" xmlns:mc="http://schemas.openxmlformats.org/markup-compatibility/2006" type="objAndTwoObj" preserve="1">
+<p:sldLayout xmlns:a="http://schemas.openxmlformats.org/drawingml/2006/main" xmlns:r="http://schemas.openxmlformats.org/officeDocument/2006/relationships" xmlns:p="http://schemas.openxmlformats.org/presentationml/2006/main" type="objAndTwoObj" preserve="1">
   <p:cSld name="Title Content and 2 Content">
     <p:spTree>
       <p:nvGrpSpPr>
@@ -2598,9 +2823,10 @@
           </a:prstGeom>
         </p:spPr>
         <p:txBody>
-          <a:bodyPr lIns="0" rIns="0" tIns="0" bIns="0" anchor="ctr"/>
-          <a:p>
-            <a:endParaRPr b="0" lang="en-US" sz="1800" spc="-1" strike="noStrike">
+          <a:bodyPr lIns="0" tIns="0" rIns="0" bIns="0" anchor="ctr"/>
+          <a:lstStyle/>
+          <a:p>
+            <a:endParaRPr lang="en-US" sz="1800" b="0" strike="noStrike" spc="-1">
               <a:solidFill>
                 <a:srgbClr val="000000"/>
               </a:solidFill>
@@ -2629,11 +2855,12 @@
           </a:prstGeom>
         </p:spPr>
         <p:txBody>
-          <a:bodyPr lIns="0" rIns="0" tIns="0" bIns="0">
+          <a:bodyPr lIns="0" tIns="0" rIns="0" bIns="0">
             <a:normAutofit/>
           </a:bodyPr>
-          <a:p>
-            <a:endParaRPr b="0" lang="en-US" sz="3200" spc="-1" strike="noStrike">
+          <a:lstStyle/>
+          <a:p>
+            <a:endParaRPr lang="en-US" sz="3200" b="0" strike="noStrike" spc="-1">
               <a:solidFill>
                 <a:srgbClr val="000000"/>
               </a:solidFill>
@@ -2662,11 +2889,12 @@
           </a:prstGeom>
         </p:spPr>
         <p:txBody>
-          <a:bodyPr lIns="0" rIns="0" tIns="0" bIns="0">
+          <a:bodyPr lIns="0" tIns="0" rIns="0" bIns="0">
             <a:normAutofit/>
           </a:bodyPr>
-          <a:p>
-            <a:endParaRPr b="0" lang="en-US" sz="3200" spc="-1" strike="noStrike">
+          <a:lstStyle/>
+          <a:p>
+            <a:endParaRPr lang="en-US" sz="3200" b="0" strike="noStrike" spc="-1">
               <a:solidFill>
                 <a:srgbClr val="000000"/>
               </a:solidFill>
@@ -2695,11 +2923,12 @@
           </a:prstGeom>
         </p:spPr>
         <p:txBody>
-          <a:bodyPr lIns="0" rIns="0" tIns="0" bIns="0">
+          <a:bodyPr lIns="0" tIns="0" rIns="0" bIns="0">
             <a:normAutofit/>
           </a:bodyPr>
-          <a:p>
-            <a:endParaRPr b="0" lang="en-US" sz="3200" spc="-1" strike="noStrike">
+          <a:lstStyle/>
+          <a:p>
+            <a:endParaRPr lang="en-US" sz="3200" b="0" strike="noStrike" spc="-1">
               <a:solidFill>
                 <a:srgbClr val="000000"/>
               </a:solidFill>
@@ -2710,11 +2939,14 @@
       </p:sp>
     </p:spTree>
   </p:cSld>
+  <p:clrMapOvr>
+    <a:masterClrMapping/>
+  </p:clrMapOvr>
 </p:sldLayout>
 </file>
 
 <file path=ppt/slideLayouts/slideLayout9.xml><?xml version="1.0" encoding="utf-8"?>
-<p:sldLayout xmlns:a="http://schemas.openxmlformats.org/drawingml/2006/main" xmlns:p="http://schemas.openxmlformats.org/presentationml/2006/main" xmlns:r="http://schemas.openxmlformats.org/officeDocument/2006/relationships" xmlns:p14="http://schemas.microsoft.com/office/powerpoint/2010/main" xmlns:p15="http://schemas.microsoft.com/office/powerpoint/2012/main" xmlns:mc="http://schemas.openxmlformats.org/markup-compatibility/2006" type="twoObjOverTx" preserve="1">
+<p:sldLayout xmlns:a="http://schemas.openxmlformats.org/drawingml/2006/main" xmlns:r="http://schemas.openxmlformats.org/officeDocument/2006/relationships" xmlns:p="http://schemas.openxmlformats.org/presentationml/2006/main" type="twoObjOverTx" preserve="1">
   <p:cSld name="Title, 2 Content over Content">
     <p:spTree>
       <p:nvGrpSpPr>
@@ -2750,9 +2982,10 @@
           </a:prstGeom>
         </p:spPr>
         <p:txBody>
-          <a:bodyPr lIns="0" rIns="0" tIns="0" bIns="0" anchor="ctr"/>
-          <a:p>
-            <a:endParaRPr b="0" lang="en-US" sz="1800" spc="-1" strike="noStrike">
+          <a:bodyPr lIns="0" tIns="0" rIns="0" bIns="0" anchor="ctr"/>
+          <a:lstStyle/>
+          <a:p>
+            <a:endParaRPr lang="en-US" sz="1800" b="0" strike="noStrike" spc="-1">
               <a:solidFill>
                 <a:srgbClr val="000000"/>
               </a:solidFill>
@@ -2781,11 +3014,12 @@
           </a:prstGeom>
         </p:spPr>
         <p:txBody>
-          <a:bodyPr lIns="0" rIns="0" tIns="0" bIns="0">
+          <a:bodyPr lIns="0" tIns="0" rIns="0" bIns="0">
             <a:normAutofit/>
           </a:bodyPr>
-          <a:p>
-            <a:endParaRPr b="0" lang="en-US" sz="3200" spc="-1" strike="noStrike">
+          <a:lstStyle/>
+          <a:p>
+            <a:endParaRPr lang="en-US" sz="3200" b="0" strike="noStrike" spc="-1">
               <a:solidFill>
                 <a:srgbClr val="000000"/>
               </a:solidFill>
@@ -2814,11 +3048,12 @@
           </a:prstGeom>
         </p:spPr>
         <p:txBody>
-          <a:bodyPr lIns="0" rIns="0" tIns="0" bIns="0">
+          <a:bodyPr lIns="0" tIns="0" rIns="0" bIns="0">
             <a:normAutofit/>
           </a:bodyPr>
-          <a:p>
-            <a:endParaRPr b="0" lang="en-US" sz="3200" spc="-1" strike="noStrike">
+          <a:lstStyle/>
+          <a:p>
+            <a:endParaRPr lang="en-US" sz="3200" b="0" strike="noStrike" spc="-1">
               <a:solidFill>
                 <a:srgbClr val="000000"/>
               </a:solidFill>
@@ -2847,11 +3082,12 @@
           </a:prstGeom>
         </p:spPr>
         <p:txBody>
-          <a:bodyPr lIns="0" rIns="0" tIns="0" bIns="0">
+          <a:bodyPr lIns="0" tIns="0" rIns="0" bIns="0">
             <a:normAutofit/>
           </a:bodyPr>
-          <a:p>
-            <a:endParaRPr b="0" lang="en-US" sz="3200" spc="-1" strike="noStrike">
+          <a:lstStyle/>
+          <a:p>
+            <a:endParaRPr lang="en-US" sz="3200" b="0" strike="noStrike" spc="-1">
               <a:solidFill>
                 <a:srgbClr val="000000"/>
               </a:solidFill>
@@ -2862,17 +3098,21 @@
       </p:sp>
     </p:spTree>
   </p:cSld>
+  <p:clrMapOvr>
+    <a:masterClrMapping/>
+  </p:clrMapOvr>
 </p:sldLayout>
 </file>
 
 <file path=ppt/slideMasters/slideMaster1.xml><?xml version="1.0" encoding="utf-8"?>
-<p:sldMaster xmlns:a="http://schemas.openxmlformats.org/drawingml/2006/main" xmlns:p="http://schemas.openxmlformats.org/presentationml/2006/main" xmlns:r="http://schemas.openxmlformats.org/officeDocument/2006/relationships" xmlns:p14="http://schemas.microsoft.com/office/powerpoint/2010/main" xmlns:p15="http://schemas.microsoft.com/office/powerpoint/2012/main" xmlns:mc="http://schemas.openxmlformats.org/markup-compatibility/2006">
+<p:sldMaster xmlns:a="http://schemas.openxmlformats.org/drawingml/2006/main" xmlns:r="http://schemas.openxmlformats.org/officeDocument/2006/relationships" xmlns:p="http://schemas.openxmlformats.org/presentationml/2006/main">
   <p:cSld>
     <p:bg>
       <p:bgPr>
         <a:solidFill>
-          <a:srgbClr val="ffffff"/>
+          <a:srgbClr val="FFFFFF"/>
         </a:solidFill>
+        <a:effectLst/>
       </p:bgPr>
     </p:bg>
     <p:spTree>
@@ -2891,7 +3131,7 @@
       </p:grpSpPr>
       <p:sp>
         <p:nvSpPr>
-          <p:cNvPr id="0" name="PlaceHolder 1"/>
+          <p:cNvPr id="5" name="PlaceHolder 1"/>
           <p:cNvSpPr>
             <a:spLocks noGrp="1"/>
           </p:cNvSpPr>
@@ -2910,6 +3150,7 @@
         </p:spPr>
         <p:txBody>
           <a:bodyPr anchor="ctr"/>
+          <a:lstStyle/>
           <a:p>
             <a:pPr algn="ctr">
               <a:lnSpc>
@@ -2917,125 +3158,20 @@
               </a:lnSpc>
             </a:pPr>
             <a:r>
-              <a:rPr b="0" lang="en-US" sz="4400" spc="-1" strike="noStrike">
+              <a:rPr lang="en-US" sz="4400" b="0" strike="noStrike" spc="-1">
                 <a:solidFill>
                   <a:srgbClr val="000000"/>
                 </a:solidFill>
                 <a:latin typeface="Calibri"/>
               </a:rPr>
-              <a:t>Cli</a:t>
+              <a:t>Click to edit Master title style</a:t>
             </a:r>
-            <a:r>
-              <a:rPr b="0" lang="en-US" sz="4400" spc="-1" strike="noStrike">
-                <a:solidFill>
-                  <a:srgbClr val="000000"/>
-                </a:solidFill>
-                <a:latin typeface="Calibri"/>
-              </a:rPr>
-              <a:t>ck </a:t>
-            </a:r>
-            <a:r>
-              <a:rPr b="0" lang="en-US" sz="4400" spc="-1" strike="noStrike">
-                <a:solidFill>
-                  <a:srgbClr val="000000"/>
-                </a:solidFill>
-                <a:latin typeface="Calibri"/>
-              </a:rPr>
-              <a:t>to </a:t>
-            </a:r>
-            <a:r>
-              <a:rPr b="0" lang="en-US" sz="4400" spc="-1" strike="noStrike">
-                <a:solidFill>
-                  <a:srgbClr val="000000"/>
-                </a:solidFill>
-                <a:latin typeface="Calibri"/>
-              </a:rPr>
-              <a:t>edi</a:t>
-            </a:r>
-            <a:r>
-              <a:rPr b="0" lang="en-US" sz="4400" spc="-1" strike="noStrike">
-                <a:solidFill>
-                  <a:srgbClr val="000000"/>
-                </a:solidFill>
-                <a:latin typeface="Calibri"/>
-              </a:rPr>
-              <a:t>t </a:t>
-            </a:r>
-            <a:r>
-              <a:rPr b="0" lang="en-US" sz="4400" spc="-1" strike="noStrike">
-                <a:solidFill>
-                  <a:srgbClr val="000000"/>
-                </a:solidFill>
-                <a:latin typeface="Calibri"/>
-              </a:rPr>
-              <a:t>Ma</a:t>
-            </a:r>
-            <a:r>
-              <a:rPr b="0" lang="en-US" sz="4400" spc="-1" strike="noStrike">
-                <a:solidFill>
-                  <a:srgbClr val="000000"/>
-                </a:solidFill>
-                <a:latin typeface="Calibri"/>
-              </a:rPr>
-              <a:t>ste</a:t>
-            </a:r>
-            <a:r>
-              <a:rPr b="0" lang="en-US" sz="4400" spc="-1" strike="noStrike">
-                <a:solidFill>
-                  <a:srgbClr val="000000"/>
-                </a:solidFill>
-                <a:latin typeface="Calibri"/>
-              </a:rPr>
-              <a:t>r </a:t>
-            </a:r>
-            <a:r>
-              <a:rPr b="0" lang="en-US" sz="4400" spc="-1" strike="noStrike">
-                <a:solidFill>
-                  <a:srgbClr val="000000"/>
-                </a:solidFill>
-                <a:latin typeface="Calibri"/>
-              </a:rPr>
-              <a:t>titl</a:t>
-            </a:r>
-            <a:r>
-              <a:rPr b="0" lang="en-US" sz="4400" spc="-1" strike="noStrike">
-                <a:solidFill>
-                  <a:srgbClr val="000000"/>
-                </a:solidFill>
-                <a:latin typeface="Calibri"/>
-              </a:rPr>
-              <a:t>e </a:t>
-            </a:r>
-            <a:r>
-              <a:rPr b="0" lang="en-US" sz="4400" spc="-1" strike="noStrike">
-                <a:solidFill>
-                  <a:srgbClr val="000000"/>
-                </a:solidFill>
-                <a:latin typeface="Calibri"/>
-              </a:rPr>
-              <a:t>sty</a:t>
-            </a:r>
-            <a:r>
-              <a:rPr b="0" lang="en-US" sz="4400" spc="-1" strike="noStrike">
-                <a:solidFill>
-                  <a:srgbClr val="000000"/>
-                </a:solidFill>
-                <a:latin typeface="Calibri"/>
-              </a:rPr>
-              <a:t>le</a:t>
-            </a:r>
-            <a:endParaRPr b="0" lang="en-US" sz="4400" spc="-1" strike="noStrike">
-              <a:solidFill>
-                <a:srgbClr val="000000"/>
-              </a:solidFill>
-              <a:latin typeface="Calibri"/>
-            </a:endParaRPr>
-          </a:p>
-        </p:txBody>
-      </p:sp>
-      <p:sp>
-        <p:nvSpPr>
-          <p:cNvPr id="1" name="PlaceHolder 2"/>
+          </a:p>
+        </p:txBody>
+      </p:sp>
+      <p:sp>
+        <p:nvSpPr>
+          <p:cNvPr id="6" name="PlaceHolder 2"/>
           <p:cNvSpPr>
             <a:spLocks noGrp="1"/>
           </p:cNvSpPr>
@@ -3054,6 +3190,7 @@
         </p:spPr>
         <p:txBody>
           <a:bodyPr/>
+          <a:lstStyle/>
           <a:p>
             <a:pPr marL="343080" indent="-342720">
               <a:lnSpc>
@@ -3069,7 +3206,7 @@
               <a:buChar char="•"/>
             </a:pPr>
             <a:r>
-              <a:rPr b="0" lang="en-US" sz="3200" spc="-1" strike="noStrike">
+              <a:rPr lang="en-US" sz="3200" b="0" strike="noStrike" spc="-1">
                 <a:solidFill>
                   <a:srgbClr val="000000"/>
                 </a:solidFill>
@@ -3077,15 +3214,9 @@
               </a:rPr>
               <a:t>Click to edit Master text styles</a:t>
             </a:r>
-            <a:endParaRPr b="0" lang="en-US" sz="3200" spc="-1" strike="noStrike">
-              <a:solidFill>
-                <a:srgbClr val="000000"/>
-              </a:solidFill>
-              <a:latin typeface="Calibri"/>
-            </a:endParaRPr>
-          </a:p>
-          <a:p>
-            <a:pPr lvl="1" marL="743040" indent="-285480">
+          </a:p>
+          <a:p>
+            <a:pPr marL="743040" lvl="1" indent="-285480">
               <a:lnSpc>
                 <a:spcPct val="100000"/>
               </a:lnSpc>
@@ -3099,7 +3230,7 @@
               <a:buChar char="–"/>
             </a:pPr>
             <a:r>
-              <a:rPr b="0" lang="en-US" sz="2800" spc="-1" strike="noStrike">
+              <a:rPr lang="en-US" sz="2800" b="0" strike="noStrike" spc="-1">
                 <a:solidFill>
                   <a:srgbClr val="000000"/>
                 </a:solidFill>
@@ -3107,15 +3238,9 @@
               </a:rPr>
               <a:t>Second level</a:t>
             </a:r>
-            <a:endParaRPr b="0" lang="en-US" sz="2800" spc="-1" strike="noStrike">
-              <a:solidFill>
-                <a:srgbClr val="000000"/>
-              </a:solidFill>
-              <a:latin typeface="Calibri"/>
-            </a:endParaRPr>
-          </a:p>
-          <a:p>
-            <a:pPr lvl="2" marL="1143000" indent="-228240">
+          </a:p>
+          <a:p>
+            <a:pPr marL="1143000" lvl="2" indent="-228240">
               <a:lnSpc>
                 <a:spcPct val="100000"/>
               </a:lnSpc>
@@ -3129,7 +3254,7 @@
               <a:buChar char="•"/>
             </a:pPr>
             <a:r>
-              <a:rPr b="0" lang="en-US" sz="2400" spc="-1" strike="noStrike">
+              <a:rPr lang="en-US" sz="2400" b="0" strike="noStrike" spc="-1">
                 <a:solidFill>
                   <a:srgbClr val="000000"/>
                 </a:solidFill>
@@ -3137,15 +3262,9 @@
               </a:rPr>
               <a:t>Third level</a:t>
             </a:r>
-            <a:endParaRPr b="0" lang="en-US" sz="2400" spc="-1" strike="noStrike">
-              <a:solidFill>
-                <a:srgbClr val="000000"/>
-              </a:solidFill>
-              <a:latin typeface="Calibri"/>
-            </a:endParaRPr>
-          </a:p>
-          <a:p>
-            <a:pPr lvl="3" marL="1600200" indent="-228240">
+          </a:p>
+          <a:p>
+            <a:pPr marL="1600200" lvl="3" indent="-228240">
               <a:lnSpc>
                 <a:spcPct val="100000"/>
               </a:lnSpc>
@@ -3159,7 +3278,7 @@
               <a:buChar char="–"/>
             </a:pPr>
             <a:r>
-              <a:rPr b="0" lang="en-US" sz="2000" spc="-1" strike="noStrike">
+              <a:rPr lang="en-US" sz="2000" b="0" strike="noStrike" spc="-1">
                 <a:solidFill>
                   <a:srgbClr val="000000"/>
                 </a:solidFill>
@@ -3167,15 +3286,9 @@
               </a:rPr>
               <a:t>Fourth level</a:t>
             </a:r>
-            <a:endParaRPr b="0" lang="en-US" sz="2000" spc="-1" strike="noStrike">
-              <a:solidFill>
-                <a:srgbClr val="000000"/>
-              </a:solidFill>
-              <a:latin typeface="Calibri"/>
-            </a:endParaRPr>
-          </a:p>
-          <a:p>
-            <a:pPr lvl="4" marL="2057400" indent="-228240">
+          </a:p>
+          <a:p>
+            <a:pPr marL="2057400" lvl="4" indent="-228240">
               <a:lnSpc>
                 <a:spcPct val="100000"/>
               </a:lnSpc>
@@ -3189,7 +3302,7 @@
               <a:buChar char="»"/>
             </a:pPr>
             <a:r>
-              <a:rPr b="0" lang="en-US" sz="2000" spc="-1" strike="noStrike">
+              <a:rPr lang="en-US" sz="2000" b="0" strike="noStrike" spc="-1">
                 <a:solidFill>
                   <a:srgbClr val="000000"/>
                 </a:solidFill>
@@ -3197,12 +3310,6 @@
               </a:rPr>
               <a:t>Fifth level</a:t>
             </a:r>
-            <a:endParaRPr b="0" lang="en-US" sz="2000" spc="-1" strike="noStrike">
-              <a:solidFill>
-                <a:srgbClr val="000000"/>
-              </a:solidFill>
-              <a:latin typeface="Calibri"/>
-            </a:endParaRPr>
           </a:p>
         </p:txBody>
       </p:sp>
@@ -3227,6 +3334,7 @@
         </p:spPr>
         <p:txBody>
           <a:bodyPr anchor="ctr"/>
+          <a:lstStyle/>
           <a:p>
             <a:pPr>
               <a:lnSpc>
@@ -3234,15 +3342,15 @@
               </a:lnSpc>
             </a:pPr>
             <a:fld id="{323B3D34-394E-400F-BFAD-9E679EBF429B}" type="datetime">
-              <a:rPr b="0" lang="en-GB" sz="1200" spc="-1" strike="noStrike">
+              <a:rPr lang="en-GB" sz="1200" b="0" strike="noStrike" spc="-1">
                 <a:solidFill>
-                  <a:srgbClr val="8b8b8b"/>
+                  <a:srgbClr val="8B8B8B"/>
                 </a:solidFill>
                 <a:latin typeface="Calibri"/>
               </a:rPr>
-              <a:t>13/09/18</a:t>
+              <a:t>14/09/18</a:t>
             </a:fld>
-            <a:endParaRPr b="0" lang="en-GB" sz="1200" spc="-1" strike="noStrike">
+            <a:endParaRPr lang="en-GB" sz="1200" b="0" strike="noStrike" spc="-1">
               <a:latin typeface="Times New Roman"/>
             </a:endParaRPr>
           </a:p>
@@ -3269,8 +3377,9 @@
         </p:spPr>
         <p:txBody>
           <a:bodyPr anchor="ctr"/>
-          <a:p>
-            <a:endParaRPr b="0" lang="en-GB" sz="2400" spc="-1" strike="noStrike">
+          <a:lstStyle/>
+          <a:p>
+            <a:endParaRPr lang="en-GB" sz="2400" b="0" strike="noStrike" spc="-1">
               <a:latin typeface="Times New Roman"/>
             </a:endParaRPr>
           </a:p>
@@ -3297,6 +3406,7 @@
         </p:spPr>
         <p:txBody>
           <a:bodyPr anchor="ctr"/>
+          <a:lstStyle/>
           <a:p>
             <a:pPr algn="r">
               <a:lnSpc>
@@ -3304,15 +3414,15 @@
               </a:lnSpc>
             </a:pPr>
             <a:fld id="{D0F2ED52-7708-40AC-9096-BB9BE952176B}" type="slidenum">
-              <a:rPr b="0" lang="en-GB" sz="1200" spc="-1" strike="noStrike">
+              <a:rPr lang="en-GB" sz="1200" b="0" strike="noStrike" spc="-1">
                 <a:solidFill>
-                  <a:srgbClr val="8b8b8b"/>
+                  <a:srgbClr val="8B8B8B"/>
                 </a:solidFill>
                 <a:latin typeface="Calibri"/>
               </a:rPr>
-              <a:t>&lt;number&gt;</a:t>
+              <a:t>‹#›</a:t>
             </a:fld>
-            <a:endParaRPr b="0" lang="en-GB" sz="1200" spc="-1" strike="noStrike">
+            <a:endParaRPr lang="en-GB" sz="1200" b="0" strike="noStrike" spc="-1">
               <a:latin typeface="Times New Roman"/>
             </a:endParaRPr>
           </a:p>
@@ -3320,32 +3430,38 @@
       </p:sp>
     </p:spTree>
   </p:cSld>
-  <p:clrMap bg1="lt1" bg2="lt2" tx1="dk1" tx2="dk2" accent1="accent1" accent2="accent2" accent3="accent3" accent4="accent4" accent5="accent5" accent6="accent6" hlink="hlink" folHlink="folHlink"/>
+  <p:clrMap bg1="lt1" tx1="dk1" bg2="lt2" tx2="dk2" accent1="accent1" accent2="accent2" accent3="accent3" accent4="accent4" accent5="accent5" accent6="accent6" hlink="hlink" folHlink="folHlink"/>
   <p:sldLayoutIdLst>
-    <p:sldLayoutId id="2147483649" r:id="rId2"/>
-    <p:sldLayoutId id="2147483650" r:id="rId3"/>
-    <p:sldLayoutId id="2147483651" r:id="rId4"/>
-    <p:sldLayoutId id="2147483652" r:id="rId5"/>
-    <p:sldLayoutId id="2147483653" r:id="rId6"/>
-    <p:sldLayoutId id="2147483654" r:id="rId7"/>
-    <p:sldLayoutId id="2147483655" r:id="rId8"/>
-    <p:sldLayoutId id="2147483656" r:id="rId9"/>
-    <p:sldLayoutId id="2147483657" r:id="rId10"/>
-    <p:sldLayoutId id="2147483658" r:id="rId11"/>
-    <p:sldLayoutId id="2147483659" r:id="rId12"/>
-    <p:sldLayoutId id="2147483660" r:id="rId13"/>
+    <p:sldLayoutId id="2147483649" r:id="rId1"/>
+    <p:sldLayoutId id="2147483650" r:id="rId2"/>
+    <p:sldLayoutId id="2147483651" r:id="rId3"/>
+    <p:sldLayoutId id="2147483652" r:id="rId4"/>
+    <p:sldLayoutId id="2147483653" r:id="rId5"/>
+    <p:sldLayoutId id="2147483654" r:id="rId6"/>
+    <p:sldLayoutId id="2147483655" r:id="rId7"/>
+    <p:sldLayoutId id="2147483656" r:id="rId8"/>
+    <p:sldLayoutId id="2147483657" r:id="rId9"/>
+    <p:sldLayoutId id="2147483658" r:id="rId10"/>
+    <p:sldLayoutId id="2147483659" r:id="rId11"/>
+    <p:sldLayoutId id="2147483660" r:id="rId12"/>
   </p:sldLayoutIdLst>
+  <p:txStyles>
+    <p:titleStyle/>
+    <p:bodyStyle/>
+    <p:otherStyle/>
+  </p:txStyles>
 </p:sldMaster>
 </file>
 
 <file path=ppt/slideMasters/slideMaster2.xml><?xml version="1.0" encoding="utf-8"?>
-<p:sldMaster xmlns:a="http://schemas.openxmlformats.org/drawingml/2006/main" xmlns:p="http://schemas.openxmlformats.org/presentationml/2006/main" xmlns:r="http://schemas.openxmlformats.org/officeDocument/2006/relationships" xmlns:p14="http://schemas.microsoft.com/office/powerpoint/2010/main" xmlns:p15="http://schemas.microsoft.com/office/powerpoint/2012/main" xmlns:mc="http://schemas.openxmlformats.org/markup-compatibility/2006">
+<p:sldMaster xmlns:a="http://schemas.openxmlformats.org/drawingml/2006/main" xmlns:r="http://schemas.openxmlformats.org/officeDocument/2006/relationships" xmlns:p="http://schemas.openxmlformats.org/presentationml/2006/main">
   <p:cSld>
     <p:bg>
       <p:bgPr>
         <a:solidFill>
-          <a:srgbClr val="ffffff"/>
+          <a:srgbClr val="FFFFFF"/>
         </a:solidFill>
+        <a:effectLst/>
       </p:bgPr>
     </p:bg>
     <p:spTree>
@@ -3383,6 +3499,7 @@
         </p:spPr>
         <p:txBody>
           <a:bodyPr anchor="ctr"/>
+          <a:lstStyle/>
           <a:p>
             <a:pPr algn="ctr">
               <a:lnSpc>
@@ -3390,7 +3507,7 @@
               </a:lnSpc>
             </a:pPr>
             <a:r>
-              <a:rPr b="0" lang="en-US" sz="4400" spc="-1" strike="noStrike">
+              <a:rPr lang="en-US" sz="4400" b="0" strike="noStrike" spc="-1">
                 <a:solidFill>
                   <a:srgbClr val="000000"/>
                 </a:solidFill>
@@ -3398,12 +3515,6 @@
               </a:rPr>
               <a:t>Click to edit Master title style</a:t>
             </a:r>
-            <a:endParaRPr b="0" lang="en-US" sz="4400" spc="-1" strike="noStrike">
-              <a:solidFill>
-                <a:srgbClr val="000000"/>
-              </a:solidFill>
-              <a:latin typeface="Calibri"/>
-            </a:endParaRPr>
           </a:p>
         </p:txBody>
       </p:sp>
@@ -3428,6 +3539,7 @@
         </p:spPr>
         <p:txBody>
           <a:bodyPr anchor="ctr"/>
+          <a:lstStyle/>
           <a:p>
             <a:pPr>
               <a:lnSpc>
@@ -3435,15 +3547,15 @@
               </a:lnSpc>
             </a:pPr>
             <a:fld id="{F8AFE952-5F3F-44D3-B832-D789518E477E}" type="datetime">
-              <a:rPr b="0" lang="en-GB" sz="1200" spc="-1" strike="noStrike">
+              <a:rPr lang="en-GB" sz="1200" b="0" strike="noStrike" spc="-1">
                 <a:solidFill>
-                  <a:srgbClr val="8b8b8b"/>
+                  <a:srgbClr val="8B8B8B"/>
                 </a:solidFill>
                 <a:latin typeface="Calibri"/>
               </a:rPr>
-              <a:t>13/09/18</a:t>
+              <a:t>14/09/18</a:t>
             </a:fld>
-            <a:endParaRPr b="0" lang="en-GB" sz="1200" spc="-1" strike="noStrike">
+            <a:endParaRPr lang="en-GB" sz="1200" b="0" strike="noStrike" spc="-1">
               <a:latin typeface="Times New Roman"/>
             </a:endParaRPr>
           </a:p>
@@ -3470,8 +3582,9 @@
         </p:spPr>
         <p:txBody>
           <a:bodyPr anchor="ctr"/>
-          <a:p>
-            <a:endParaRPr b="0" lang="en-GB" sz="2400" spc="-1" strike="noStrike">
+          <a:lstStyle/>
+          <a:p>
+            <a:endParaRPr lang="en-GB" sz="2400" b="0" strike="noStrike" spc="-1">
               <a:latin typeface="Times New Roman"/>
             </a:endParaRPr>
           </a:p>
@@ -3498,6 +3611,7 @@
         </p:spPr>
         <p:txBody>
           <a:bodyPr anchor="ctr"/>
+          <a:lstStyle/>
           <a:p>
             <a:pPr algn="r">
               <a:lnSpc>
@@ -3505,15 +3619,15 @@
               </a:lnSpc>
             </a:pPr>
             <a:fld id="{6801D00B-06E9-45E2-9B88-E5C1CCFA17B8}" type="slidenum">
-              <a:rPr b="0" lang="en-GB" sz="1200" spc="-1" strike="noStrike">
+              <a:rPr lang="en-GB" sz="1200" b="0" strike="noStrike" spc="-1">
                 <a:solidFill>
-                  <a:srgbClr val="8b8b8b"/>
+                  <a:srgbClr val="8B8B8B"/>
                 </a:solidFill>
                 <a:latin typeface="Calibri"/>
               </a:rPr>
-              <a:t>&lt;number&gt;</a:t>
+              <a:t>‹#›</a:t>
             </a:fld>
-            <a:endParaRPr b="0" lang="en-GB" sz="1200" spc="-1" strike="noStrike">
+            <a:endParaRPr lang="en-GB" sz="1200" b="0" strike="noStrike" spc="-1">
               <a:latin typeface="Times New Roman"/>
             </a:endParaRPr>
           </a:p>
@@ -3539,9 +3653,10 @@
           </a:prstGeom>
         </p:spPr>
         <p:txBody>
-          <a:bodyPr lIns="0" rIns="0" tIns="0" bIns="0">
+          <a:bodyPr lIns="0" tIns="0" rIns="0" bIns="0">
             <a:normAutofit/>
           </a:bodyPr>
+          <a:lstStyle/>
           <a:p>
             <a:pPr marL="432000" indent="-324000">
               <a:spcBef>
@@ -3555,7 +3670,7 @@
               <a:buChar char=""/>
             </a:pPr>
             <a:r>
-              <a:rPr b="0" lang="en-US" sz="3200" spc="-1" strike="noStrike">
+              <a:rPr lang="en-US" sz="3200" b="0" strike="noStrike" spc="-1">
                 <a:solidFill>
                   <a:srgbClr val="000000"/>
                 </a:solidFill>
@@ -3563,15 +3678,9 @@
               </a:rPr>
               <a:t>Click to edit the outline text format</a:t>
             </a:r>
-            <a:endParaRPr b="0" lang="en-US" sz="3200" spc="-1" strike="noStrike">
-              <a:solidFill>
-                <a:srgbClr val="000000"/>
-              </a:solidFill>
-              <a:latin typeface="Calibri"/>
-            </a:endParaRPr>
-          </a:p>
-          <a:p>
-            <a:pPr lvl="1" marL="864000" indent="-324000">
+          </a:p>
+          <a:p>
+            <a:pPr marL="864000" lvl="1" indent="-324000">
               <a:spcBef>
                 <a:spcPts val="1134"/>
               </a:spcBef>
@@ -3583,7 +3692,7 @@
               <a:buChar char=""/>
             </a:pPr>
             <a:r>
-              <a:rPr b="0" lang="en-US" sz="2400" spc="-1" strike="noStrike">
+              <a:rPr lang="en-US" sz="2400" b="0" strike="noStrike" spc="-1">
                 <a:solidFill>
                   <a:srgbClr val="000000"/>
                 </a:solidFill>
@@ -3591,15 +3700,9 @@
               </a:rPr>
               <a:t>Second Outline Level</a:t>
             </a:r>
-            <a:endParaRPr b="0" lang="en-US" sz="2400" spc="-1" strike="noStrike">
-              <a:solidFill>
-                <a:srgbClr val="000000"/>
-              </a:solidFill>
-              <a:latin typeface="Calibri"/>
-            </a:endParaRPr>
-          </a:p>
-          <a:p>
-            <a:pPr lvl="2" marL="1296000" indent="-288000">
+          </a:p>
+          <a:p>
+            <a:pPr marL="1296000" lvl="2" indent="-288000">
               <a:spcBef>
                 <a:spcPts val="850"/>
               </a:spcBef>
@@ -3611,7 +3714,7 @@
               <a:buChar char=""/>
             </a:pPr>
             <a:r>
-              <a:rPr b="0" lang="en-US" sz="2000" spc="-1" strike="noStrike">
+              <a:rPr lang="en-US" sz="2000" b="0" strike="noStrike" spc="-1">
                 <a:solidFill>
                   <a:srgbClr val="000000"/>
                 </a:solidFill>
@@ -3619,15 +3722,9 @@
               </a:rPr>
               <a:t>Third Outline Level</a:t>
             </a:r>
-            <a:endParaRPr b="0" lang="en-US" sz="2000" spc="-1" strike="noStrike">
-              <a:solidFill>
-                <a:srgbClr val="000000"/>
-              </a:solidFill>
-              <a:latin typeface="Calibri"/>
-            </a:endParaRPr>
-          </a:p>
-          <a:p>
-            <a:pPr lvl="3" marL="1728000" indent="-216000">
+          </a:p>
+          <a:p>
+            <a:pPr marL="1728000" lvl="3" indent="-216000">
               <a:spcBef>
                 <a:spcPts val="567"/>
               </a:spcBef>
@@ -3639,7 +3736,7 @@
               <a:buChar char=""/>
             </a:pPr>
             <a:r>
-              <a:rPr b="0" lang="en-US" sz="2000" spc="-1" strike="noStrike">
+              <a:rPr lang="en-US" sz="2000" b="0" strike="noStrike" spc="-1">
                 <a:solidFill>
                   <a:srgbClr val="000000"/>
                 </a:solidFill>
@@ -3647,15 +3744,9 @@
               </a:rPr>
               <a:t>Fourth Outline Level</a:t>
             </a:r>
-            <a:endParaRPr b="0" lang="en-US" sz="2000" spc="-1" strike="noStrike">
-              <a:solidFill>
-                <a:srgbClr val="000000"/>
-              </a:solidFill>
-              <a:latin typeface="Calibri"/>
-            </a:endParaRPr>
-          </a:p>
-          <a:p>
-            <a:pPr lvl="4" marL="2160000" indent="-216000">
+          </a:p>
+          <a:p>
+            <a:pPr marL="2160000" lvl="4" indent="-216000">
               <a:spcBef>
                 <a:spcPts val="283"/>
               </a:spcBef>
@@ -3667,7 +3758,7 @@
               <a:buChar char=""/>
             </a:pPr>
             <a:r>
-              <a:rPr b="0" lang="en-US" sz="2000" spc="-1" strike="noStrike">
+              <a:rPr lang="en-US" sz="2000" b="0" strike="noStrike" spc="-1">
                 <a:solidFill>
                   <a:srgbClr val="000000"/>
                 </a:solidFill>
@@ -3675,15 +3766,9 @@
               </a:rPr>
               <a:t>Fifth Outline Level</a:t>
             </a:r>
-            <a:endParaRPr b="0" lang="en-US" sz="2000" spc="-1" strike="noStrike">
-              <a:solidFill>
-                <a:srgbClr val="000000"/>
-              </a:solidFill>
-              <a:latin typeface="Calibri"/>
-            </a:endParaRPr>
-          </a:p>
-          <a:p>
-            <a:pPr lvl="5" marL="2592000" indent="-216000">
+          </a:p>
+          <a:p>
+            <a:pPr marL="2592000" lvl="5" indent="-216000">
               <a:spcBef>
                 <a:spcPts val="283"/>
               </a:spcBef>
@@ -3695,7 +3780,7 @@
               <a:buChar char=""/>
             </a:pPr>
             <a:r>
-              <a:rPr b="0" lang="en-US" sz="2000" spc="-1" strike="noStrike">
+              <a:rPr lang="en-US" sz="2000" b="0" strike="noStrike" spc="-1">
                 <a:solidFill>
                   <a:srgbClr val="000000"/>
                 </a:solidFill>
@@ -3703,15 +3788,9 @@
               </a:rPr>
               <a:t>Sixth Outline Level</a:t>
             </a:r>
-            <a:endParaRPr b="0" lang="en-US" sz="2000" spc="-1" strike="noStrike">
-              <a:solidFill>
-                <a:srgbClr val="000000"/>
-              </a:solidFill>
-              <a:latin typeface="Calibri"/>
-            </a:endParaRPr>
-          </a:p>
-          <a:p>
-            <a:pPr lvl="6" marL="3024000" indent="-216000">
+          </a:p>
+          <a:p>
+            <a:pPr marL="3024000" lvl="6" indent="-216000">
               <a:spcBef>
                 <a:spcPts val="283"/>
               </a:spcBef>
@@ -3723,7 +3802,7 @@
               <a:buChar char=""/>
             </a:pPr>
             <a:r>
-              <a:rPr b="0" lang="en-US" sz="2000" spc="-1" strike="noStrike">
+              <a:rPr lang="en-US" sz="2000" b="0" strike="noStrike" spc="-1">
                 <a:solidFill>
                   <a:srgbClr val="000000"/>
                 </a:solidFill>
@@ -3731,37 +3810,36 @@
               </a:rPr>
               <a:t>Seventh Outline Level</a:t>
             </a:r>
-            <a:endParaRPr b="0" lang="en-US" sz="2000" spc="-1" strike="noStrike">
-              <a:solidFill>
-                <a:srgbClr val="000000"/>
-              </a:solidFill>
-              <a:latin typeface="Calibri"/>
-            </a:endParaRPr>
           </a:p>
         </p:txBody>
       </p:sp>
     </p:spTree>
   </p:cSld>
-  <p:clrMap bg1="lt1" bg2="lt2" tx1="dk1" tx2="dk2" accent1="accent1" accent2="accent2" accent3="accent3" accent4="accent4" accent5="accent5" accent6="accent6" hlink="hlink" folHlink="folHlink"/>
+  <p:clrMap bg1="lt1" tx1="dk1" bg2="lt2" tx2="dk2" accent1="accent1" accent2="accent2" accent3="accent3" accent4="accent4" accent5="accent5" accent6="accent6" hlink="hlink" folHlink="folHlink"/>
   <p:sldLayoutIdLst>
-    <p:sldLayoutId id="2147483662" r:id="rId2"/>
-    <p:sldLayoutId id="2147483663" r:id="rId3"/>
-    <p:sldLayoutId id="2147483664" r:id="rId4"/>
-    <p:sldLayoutId id="2147483665" r:id="rId5"/>
-    <p:sldLayoutId id="2147483666" r:id="rId6"/>
-    <p:sldLayoutId id="2147483667" r:id="rId7"/>
-    <p:sldLayoutId id="2147483668" r:id="rId8"/>
-    <p:sldLayoutId id="2147483669" r:id="rId9"/>
-    <p:sldLayoutId id="2147483670" r:id="rId10"/>
-    <p:sldLayoutId id="2147483671" r:id="rId11"/>
-    <p:sldLayoutId id="2147483672" r:id="rId12"/>
-    <p:sldLayoutId id="2147483673" r:id="rId13"/>
+    <p:sldLayoutId id="2147483662" r:id="rId1"/>
+    <p:sldLayoutId id="2147483663" r:id="rId2"/>
+    <p:sldLayoutId id="2147483664" r:id="rId3"/>
+    <p:sldLayoutId id="2147483665" r:id="rId4"/>
+    <p:sldLayoutId id="2147483666" r:id="rId5"/>
+    <p:sldLayoutId id="2147483667" r:id="rId6"/>
+    <p:sldLayoutId id="2147483668" r:id="rId7"/>
+    <p:sldLayoutId id="2147483669" r:id="rId8"/>
+    <p:sldLayoutId id="2147483670" r:id="rId9"/>
+    <p:sldLayoutId id="2147483671" r:id="rId10"/>
+    <p:sldLayoutId id="2147483672" r:id="rId11"/>
+    <p:sldLayoutId id="2147483673" r:id="rId12"/>
   </p:sldLayoutIdLst>
+  <p:txStyles>
+    <p:titleStyle/>
+    <p:bodyStyle/>
+    <p:otherStyle/>
+  </p:txStyles>
 </p:sldMaster>
 </file>
 
 <file path=ppt/slides/slide1.xml><?xml version="1.0" encoding="utf-8"?>
-<p:sld xmlns:a="http://schemas.openxmlformats.org/drawingml/2006/main" xmlns:p="http://schemas.openxmlformats.org/presentationml/2006/main" xmlns:r="http://schemas.openxmlformats.org/officeDocument/2006/relationships" xmlns:p14="http://schemas.microsoft.com/office/powerpoint/2010/main" xmlns:p15="http://schemas.microsoft.com/office/powerpoint/2012/main" xmlns:mc="http://schemas.openxmlformats.org/markup-compatibility/2006">
+<p:sld xmlns:a="http://schemas.openxmlformats.org/drawingml/2006/main" xmlns:r="http://schemas.openxmlformats.org/officeDocument/2006/relationships" xmlns:p="http://schemas.openxmlformats.org/presentationml/2006/main">
   <p:cSld>
     <p:spTree>
       <p:nvGrpSpPr>
@@ -3799,7 +3877,7 @@
             <a:round/>
           </a:ln>
           <a:effectLst>
-            <a:outerShdw blurRad="40000" dir="5400000" dist="23000" rotWithShape="0">
+            <a:outerShdw blurRad="40000" dist="23000" dir="5400000" rotWithShape="0">
               <a:srgbClr val="000000">
                 <a:alpha val="35000"/>
               </a:srgbClr>
@@ -3841,7 +3919,7 @@
             <a:round/>
           </a:ln>
           <a:effectLst>
-            <a:outerShdw blurRad="40000" dir="5400000" dist="23000" rotWithShape="0">
+            <a:outerShdw blurRad="40000" dist="23000" dir="5400000" rotWithShape="0">
               <a:srgbClr val="000000">
                 <a:alpha val="35000"/>
               </a:srgbClr>
@@ -3883,7 +3961,7 @@
             <a:round/>
           </a:ln>
           <a:effectLst>
-            <a:outerShdw blurRad="40000" dir="5400000" dist="23000" rotWithShape="0">
+            <a:outerShdw blurRad="40000" dist="23000" dir="5400000" rotWithShape="0">
               <a:srgbClr val="000000">
                 <a:alpha val="35000"/>
               </a:srgbClr>
@@ -3925,7 +4003,7 @@
             <a:round/>
           </a:ln>
           <a:effectLst>
-            <a:outerShdw blurRad="40000" dir="5400000" dist="23000" rotWithShape="0">
+            <a:outerShdw blurRad="40000" dist="23000" dir="5400000" rotWithShape="0">
               <a:srgbClr val="000000">
                 <a:alpha val="35000"/>
               </a:srgbClr>
@@ -3967,7 +4045,7 @@
             <a:round/>
           </a:ln>
           <a:effectLst>
-            <a:outerShdw blurRad="40000" dir="5400000" dist="23000" rotWithShape="0">
+            <a:outerShdw blurRad="40000" dist="23000" dir="5400000" rotWithShape="0">
               <a:srgbClr val="000000">
                 <a:alpha val="35000"/>
               </a:srgbClr>
@@ -4007,13 +4085,20 @@
           </a:ln>
         </p:spPr>
         <p:style>
-          <a:lnRef idx="0"/>
-          <a:fillRef idx="0"/>
-          <a:effectRef idx="0"/>
+          <a:lnRef idx="0">
+            <a:scrgbClr r="0" g="0" b="0"/>
+          </a:lnRef>
+          <a:fillRef idx="0">
+            <a:scrgbClr r="0" g="0" b="0"/>
+          </a:fillRef>
+          <a:effectRef idx="0">
+            <a:scrgbClr r="0" g="0" b="0"/>
+          </a:effectRef>
           <a:fontRef idx="minor"/>
         </p:style>
         <p:txBody>
-          <a:bodyPr wrap="none" lIns="90000" rIns="90000" tIns="45000" bIns="45000"/>
+          <a:bodyPr wrap="none" lIns="90000" tIns="45000" rIns="90000" bIns="45000"/>
+          <a:lstStyle/>
           <a:p>
             <a:pPr>
               <a:lnSpc>
@@ -4021,7 +4106,7 @@
               </a:lnSpc>
             </a:pPr>
             <a:r>
-              <a:rPr b="0" lang="en-GB" sz="1800" spc="-1" strike="noStrike">
+              <a:rPr lang="en-GB" sz="1800" b="0" strike="noStrike" spc="-1">
                 <a:solidFill>
                   <a:srgbClr val="000000"/>
                 </a:solidFill>
@@ -4029,7 +4114,7 @@
               </a:rPr>
               <a:t>Blog</a:t>
             </a:r>
-            <a:endParaRPr b="0" lang="en-GB" sz="1800" spc="-1" strike="noStrike">
+            <a:endParaRPr lang="en-GB" sz="1800" b="0" strike="noStrike" spc="-1">
               <a:latin typeface="Arial"/>
             </a:endParaRPr>
           </a:p>
@@ -4039,7 +4124,7 @@
                 <a:spcPct val="100000"/>
               </a:lnSpc>
             </a:pPr>
-            <a:endParaRPr b="0" lang="en-GB" sz="1800" spc="-1" strike="noStrike">
+            <a:endParaRPr lang="en-GB" sz="1800" b="0" strike="noStrike" spc="-1">
               <a:latin typeface="Arial"/>
             </a:endParaRPr>
           </a:p>
@@ -4050,7 +4135,7 @@
               </a:lnSpc>
             </a:pPr>
             <a:r>
-              <a:rPr b="0" lang="en-GB" sz="1800" spc="-1" strike="noStrike">
+              <a:rPr lang="en-GB" sz="1800" b="0" strike="noStrike" spc="-1">
                 <a:solidFill>
                   <a:srgbClr val="000000"/>
                 </a:solidFill>
@@ -4058,7 +4143,7 @@
               </a:rPr>
               <a:t>Image with text overlaying </a:t>
             </a:r>
-            <a:endParaRPr b="0" lang="en-GB" sz="1800" spc="-1" strike="noStrike">
+            <a:endParaRPr lang="en-GB" sz="1800" b="0" strike="noStrike" spc="-1">
               <a:latin typeface="Arial"/>
             </a:endParaRPr>
           </a:p>
@@ -4069,7 +4154,7 @@
               </a:lnSpc>
             </a:pPr>
             <a:r>
-              <a:rPr b="0" lang="en-GB" sz="1800" spc="-1" strike="noStrike">
+              <a:rPr lang="en-GB" sz="1800" b="0" strike="noStrike" spc="-1">
                 <a:solidFill>
                   <a:srgbClr val="000000"/>
                 </a:solidFill>
@@ -4077,7 +4162,7 @@
               </a:rPr>
               <a:t>and linking to page</a:t>
             </a:r>
-            <a:endParaRPr b="0" lang="en-GB" sz="1800" spc="-1" strike="noStrike">
+            <a:endParaRPr lang="en-GB" sz="1800" b="0" strike="noStrike" spc="-1">
               <a:latin typeface="Arial"/>
             </a:endParaRPr>
           </a:p>
@@ -4103,13 +4188,20 @@
           </a:ln>
         </p:spPr>
         <p:style>
-          <a:lnRef idx="0"/>
-          <a:fillRef idx="0"/>
-          <a:effectRef idx="0"/>
+          <a:lnRef idx="0">
+            <a:scrgbClr r="0" g="0" b="0"/>
+          </a:lnRef>
+          <a:fillRef idx="0">
+            <a:scrgbClr r="0" g="0" b="0"/>
+          </a:fillRef>
+          <a:effectRef idx="0">
+            <a:scrgbClr r="0" g="0" b="0"/>
+          </a:effectRef>
           <a:fontRef idx="minor"/>
         </p:style>
         <p:txBody>
-          <a:bodyPr wrap="none" lIns="90000" rIns="90000" tIns="45000" bIns="45000"/>
+          <a:bodyPr wrap="none" lIns="90000" tIns="45000" rIns="90000" bIns="45000"/>
+          <a:lstStyle/>
           <a:p>
             <a:pPr>
               <a:lnSpc>
@@ -4117,7 +4209,7 @@
               </a:lnSpc>
             </a:pPr>
             <a:r>
-              <a:rPr b="0" lang="en-GB" sz="1800" spc="-1" strike="noStrike">
+              <a:rPr lang="en-GB" sz="1800" b="0" strike="noStrike" spc="-1">
                 <a:solidFill>
                   <a:srgbClr val="000000"/>
                 </a:solidFill>
@@ -4125,7 +4217,7 @@
               </a:rPr>
               <a:t>About</a:t>
             </a:r>
-            <a:endParaRPr b="0" lang="en-GB" sz="1800" spc="-1" strike="noStrike">
+            <a:endParaRPr lang="en-GB" sz="1800" b="0" strike="noStrike" spc="-1">
               <a:latin typeface="Arial"/>
             </a:endParaRPr>
           </a:p>
@@ -4151,13 +4243,20 @@
           </a:ln>
         </p:spPr>
         <p:style>
-          <a:lnRef idx="0"/>
-          <a:fillRef idx="0"/>
-          <a:effectRef idx="0"/>
+          <a:lnRef idx="0">
+            <a:scrgbClr r="0" g="0" b="0"/>
+          </a:lnRef>
+          <a:fillRef idx="0">
+            <a:scrgbClr r="0" g="0" b="0"/>
+          </a:fillRef>
+          <a:effectRef idx="0">
+            <a:scrgbClr r="0" g="0" b="0"/>
+          </a:effectRef>
           <a:fontRef idx="minor"/>
         </p:style>
         <p:txBody>
-          <a:bodyPr lIns="90000" rIns="90000" tIns="45000" bIns="45000"/>
+          <a:bodyPr lIns="90000" tIns="45000" rIns="90000" bIns="45000"/>
+          <a:lstStyle/>
           <a:p>
             <a:pPr>
               <a:lnSpc>
@@ -4165,7 +4264,7 @@
               </a:lnSpc>
             </a:pPr>
             <a:r>
-              <a:rPr b="0" lang="en-GB" sz="1800" spc="-1" strike="noStrike">
+              <a:rPr lang="en-GB" sz="1800" b="0" strike="noStrike" spc="-1">
                 <a:solidFill>
                   <a:srgbClr val="000000"/>
                 </a:solidFill>
@@ -4173,7 +4272,7 @@
               </a:rPr>
               <a:t>Where I’ve Been</a:t>
             </a:r>
-            <a:endParaRPr b="0" lang="en-GB" sz="1800" spc="-1" strike="noStrike">
+            <a:endParaRPr lang="en-GB" sz="1800" b="0" strike="noStrike" spc="-1">
               <a:latin typeface="Arial"/>
             </a:endParaRPr>
           </a:p>
@@ -4199,13 +4298,20 @@
           </a:ln>
         </p:spPr>
         <p:style>
-          <a:lnRef idx="0"/>
-          <a:fillRef idx="0"/>
-          <a:effectRef idx="0"/>
+          <a:lnRef idx="0">
+            <a:scrgbClr r="0" g="0" b="0"/>
+          </a:lnRef>
+          <a:fillRef idx="0">
+            <a:scrgbClr r="0" g="0" b="0"/>
+          </a:fillRef>
+          <a:effectRef idx="0">
+            <a:scrgbClr r="0" g="0" b="0"/>
+          </a:effectRef>
           <a:fontRef idx="minor"/>
         </p:style>
         <p:txBody>
-          <a:bodyPr wrap="none" lIns="90000" rIns="90000" tIns="45000" bIns="45000"/>
+          <a:bodyPr wrap="none" lIns="90000" tIns="45000" rIns="90000" bIns="45000"/>
+          <a:lstStyle/>
           <a:p>
             <a:pPr>
               <a:lnSpc>
@@ -4213,7 +4319,7 @@
               </a:lnSpc>
             </a:pPr>
             <a:r>
-              <a:rPr b="0" lang="en-GB" sz="1800" spc="-1" strike="noStrike">
+              <a:rPr lang="en-GB" sz="1800" b="0" strike="noStrike" spc="-1">
                 <a:solidFill>
                   <a:srgbClr val="000000"/>
                 </a:solidFill>
@@ -4221,7 +4327,7 @@
               </a:rPr>
               <a:t>Tools</a:t>
             </a:r>
-            <a:endParaRPr b="0" lang="en-GB" sz="1800" spc="-1" strike="noStrike">
+            <a:endParaRPr lang="en-GB" sz="1800" b="0" strike="noStrike" spc="-1">
               <a:latin typeface="Arial"/>
             </a:endParaRPr>
           </a:p>
@@ -4247,13 +4353,20 @@
           </a:ln>
         </p:spPr>
         <p:style>
-          <a:lnRef idx="0"/>
-          <a:fillRef idx="0"/>
-          <a:effectRef idx="0"/>
+          <a:lnRef idx="0">
+            <a:scrgbClr r="0" g="0" b="0"/>
+          </a:lnRef>
+          <a:fillRef idx="0">
+            <a:scrgbClr r="0" g="0" b="0"/>
+          </a:fillRef>
+          <a:effectRef idx="0">
+            <a:scrgbClr r="0" g="0" b="0"/>
+          </a:effectRef>
           <a:fontRef idx="minor"/>
         </p:style>
         <p:txBody>
-          <a:bodyPr wrap="none" lIns="90000" rIns="90000" tIns="45000" bIns="45000"/>
+          <a:bodyPr wrap="none" lIns="90000" tIns="45000" rIns="90000" bIns="45000"/>
+          <a:lstStyle/>
           <a:p>
             <a:pPr>
               <a:lnSpc>
@@ -4261,7 +4374,7 @@
               </a:lnSpc>
             </a:pPr>
             <a:r>
-              <a:rPr b="0" lang="en-GB" sz="1800" spc="-1" strike="noStrike">
+              <a:rPr lang="en-GB" sz="1800" b="0" strike="noStrike" spc="-1">
                 <a:solidFill>
                   <a:srgbClr val="000000"/>
                 </a:solidFill>
@@ -4269,7 +4382,7 @@
               </a:rPr>
               <a:t>Publications</a:t>
             </a:r>
-            <a:endParaRPr b="0" lang="en-GB" sz="1800" spc="-1" strike="noStrike">
+            <a:endParaRPr lang="en-GB" sz="1800" b="0" strike="noStrike" spc="-1">
               <a:latin typeface="Arial"/>
             </a:endParaRPr>
           </a:p>
@@ -4279,7 +4392,7 @@
                 <a:spcPct val="100000"/>
               </a:lnSpc>
             </a:pPr>
-            <a:endParaRPr b="0" lang="en-GB" sz="1800" spc="-1" strike="noStrike">
+            <a:endParaRPr lang="en-GB" sz="1800" b="0" strike="noStrike" spc="-1">
               <a:latin typeface="Arial"/>
             </a:endParaRPr>
           </a:p>
@@ -4290,7 +4403,7 @@
               </a:lnSpc>
             </a:pPr>
             <a:r>
-              <a:rPr b="0" lang="en-GB" sz="1800" spc="-1" strike="noStrike">
+              <a:rPr lang="en-GB" sz="1800" b="0" strike="noStrike" spc="-1">
                 <a:solidFill>
                   <a:srgbClr val="000000"/>
                 </a:solidFill>
@@ -4298,7 +4411,7 @@
               </a:rPr>
               <a:t>Thumbnail of page?</a:t>
             </a:r>
-            <a:endParaRPr b="0" lang="en-GB" sz="1800" spc="-1" strike="noStrike">
+            <a:endParaRPr lang="en-GB" sz="1800" b="0" strike="noStrike" spc="-1">
               <a:latin typeface="Arial"/>
             </a:endParaRPr>
           </a:p>
@@ -4306,22 +4419,25 @@
       </p:sp>
     </p:spTree>
   </p:cSld>
+  <p:clrMapOvr>
+    <a:masterClrMapping/>
+  </p:clrMapOvr>
   <p:timing>
     <p:tnLst>
       <p:par>
-        <p:cTn id="1" dur="indefinite" restart="never" nodeType="tmRoot">
+        <p:cTn xmlns:p14="http://schemas.microsoft.com/office/powerpoint/2010/main" id="1" dur="indefinite" restart="never" nodeType="tmRoot">
           <p:childTnLst>
             <p:seq>
               <p:cTn id="2" dur="indefinite" nodeType="mainSeq"/>
               <p:prevCondLst>
-                <p:cond delay="0" evt="onPrev">
+                <p:cond evt="onPrev" delay="0">
                   <p:tgtEl>
                     <p:sldTgt/>
                   </p:tgtEl>
                 </p:cond>
               </p:prevCondLst>
               <p:nextCondLst>
-                <p:cond delay="0" evt="onNext">
+                <p:cond evt="onNext" delay="0">
                   <p:tgtEl>
                     <p:sldTgt/>
                   </p:tgtEl>
@@ -4337,7 +4453,7 @@
 </file>
 
 <file path=ppt/slides/slide2.xml><?xml version="1.0" encoding="utf-8"?>
-<p:sld xmlns:a="http://schemas.openxmlformats.org/drawingml/2006/main" xmlns:p="http://schemas.openxmlformats.org/presentationml/2006/main" xmlns:r="http://schemas.openxmlformats.org/officeDocument/2006/relationships" xmlns:p14="http://schemas.microsoft.com/office/powerpoint/2010/main" xmlns:p15="http://schemas.microsoft.com/office/powerpoint/2012/main" xmlns:mc="http://schemas.openxmlformats.org/markup-compatibility/2006">
+<p:sld xmlns:a="http://schemas.openxmlformats.org/drawingml/2006/main" xmlns:r="http://schemas.openxmlformats.org/officeDocument/2006/relationships" xmlns:p="http://schemas.openxmlformats.org/presentationml/2006/main">
   <p:cSld>
     <p:spTree>
       <p:nvGrpSpPr>
@@ -4375,7 +4491,7 @@
             <a:round/>
           </a:ln>
           <a:effectLst>
-            <a:outerShdw blurRad="40000" dir="5400000" dist="23000" rotWithShape="0">
+            <a:outerShdw blurRad="40000" dist="23000" dir="5400000" rotWithShape="0">
               <a:srgbClr val="000000">
                 <a:alpha val="35000"/>
               </a:srgbClr>
@@ -4415,13 +4531,20 @@
           </a:ln>
         </p:spPr>
         <p:style>
-          <a:lnRef idx="0"/>
-          <a:fillRef idx="0"/>
-          <a:effectRef idx="0"/>
+          <a:lnRef idx="0">
+            <a:scrgbClr r="0" g="0" b="0"/>
+          </a:lnRef>
+          <a:fillRef idx="0">
+            <a:scrgbClr r="0" g="0" b="0"/>
+          </a:fillRef>
+          <a:effectRef idx="0">
+            <a:scrgbClr r="0" g="0" b="0"/>
+          </a:effectRef>
           <a:fontRef idx="minor"/>
         </p:style>
         <p:txBody>
-          <a:bodyPr lIns="90000" rIns="90000" tIns="45000" bIns="45000"/>
+          <a:bodyPr lIns="90000" tIns="45000" rIns="90000" bIns="45000"/>
+          <a:lstStyle/>
           <a:p>
             <a:pPr>
               <a:lnSpc>
@@ -4429,7 +4552,7 @@
               </a:lnSpc>
             </a:pPr>
             <a:r>
-              <a:rPr b="0" lang="en-GB" sz="1800" spc="-1" strike="noStrike">
+              <a:rPr lang="en-GB" sz="1800" b="0" strike="noStrike" spc="-1">
                 <a:solidFill>
                   <a:srgbClr val="000000"/>
                 </a:solidFill>
@@ -4437,7 +4560,7 @@
               </a:rPr>
               <a:t>Sliding side bar that moves as you</a:t>
             </a:r>
-            <a:endParaRPr b="0" lang="en-GB" sz="1800" spc="-1" strike="noStrike">
+            <a:endParaRPr lang="en-GB" sz="1800" b="0" strike="noStrike" spc="-1">
               <a:latin typeface="Arial"/>
             </a:endParaRPr>
           </a:p>
@@ -4448,7 +4571,7 @@
               </a:lnSpc>
             </a:pPr>
             <a:r>
-              <a:rPr b="0" lang="en-GB" sz="1800" spc="-1" strike="noStrike">
+              <a:rPr lang="en-GB" sz="1800" b="0" strike="noStrike" spc="-1">
                 <a:solidFill>
                   <a:srgbClr val="000000"/>
                 </a:solidFill>
@@ -4456,7 +4579,7 @@
               </a:rPr>
               <a:t>Stays in line with reading window</a:t>
             </a:r>
-            <a:endParaRPr b="0" lang="en-GB" sz="1800" spc="-1" strike="noStrike">
+            <a:endParaRPr lang="en-GB" sz="1800" b="0" strike="noStrike" spc="-1">
               <a:latin typeface="Arial"/>
             </a:endParaRPr>
           </a:p>
@@ -4481,8 +4604,8 @@
               <a:srgbClr val="000000"/>
             </a:solidFill>
             <a:round/>
-            <a:headEnd len="med" type="triangle" w="med"/>
-            <a:tailEnd len="med" type="triangle" w="med"/>
+            <a:headEnd type="triangle" w="med" len="med"/>
+            <a:tailEnd type="triangle" w="med" len="med"/>
           </a:ln>
         </p:spPr>
         <p:style>
@@ -4518,13 +4641,20 @@
           </a:ln>
         </p:spPr>
         <p:style>
-          <a:lnRef idx="0"/>
-          <a:fillRef idx="0"/>
-          <a:effectRef idx="0"/>
+          <a:lnRef idx="0">
+            <a:scrgbClr r="0" g="0" b="0"/>
+          </a:lnRef>
+          <a:fillRef idx="0">
+            <a:scrgbClr r="0" g="0" b="0"/>
+          </a:fillRef>
+          <a:effectRef idx="0">
+            <a:scrgbClr r="0" g="0" b="0"/>
+          </a:effectRef>
           <a:fontRef idx="minor"/>
         </p:style>
         <p:txBody>
-          <a:bodyPr lIns="90000" rIns="90000" tIns="45000" bIns="45000"/>
+          <a:bodyPr lIns="90000" tIns="45000" rIns="90000" bIns="45000"/>
+          <a:lstStyle/>
           <a:p>
             <a:pPr>
               <a:lnSpc>
@@ -4532,7 +4662,7 @@
               </a:lnSpc>
             </a:pPr>
             <a:r>
-              <a:rPr b="0" lang="en-GB" sz="1800" spc="-1" strike="noStrike">
+              <a:rPr lang="en-GB" sz="1800" b="0" strike="noStrike" spc="-1">
                 <a:solidFill>
                   <a:srgbClr val="000000"/>
                 </a:solidFill>
@@ -4540,7 +4670,7 @@
               </a:rPr>
               <a:t>Blog</a:t>
             </a:r>
-            <a:endParaRPr b="0" lang="en-GB" sz="1800" spc="-1" strike="noStrike">
+            <a:endParaRPr lang="en-GB" sz="1800" b="0" strike="noStrike" spc="-1">
               <a:latin typeface="Arial"/>
             </a:endParaRPr>
           </a:p>
@@ -4566,13 +4696,20 @@
           </a:ln>
         </p:spPr>
         <p:style>
-          <a:lnRef idx="0"/>
-          <a:fillRef idx="0"/>
-          <a:effectRef idx="0"/>
+          <a:lnRef idx="0">
+            <a:scrgbClr r="0" g="0" b="0"/>
+          </a:lnRef>
+          <a:fillRef idx="0">
+            <a:scrgbClr r="0" g="0" b="0"/>
+          </a:fillRef>
+          <a:effectRef idx="0">
+            <a:scrgbClr r="0" g="0" b="0"/>
+          </a:effectRef>
           <a:fontRef idx="minor"/>
         </p:style>
         <p:txBody>
-          <a:bodyPr wrap="none" lIns="90000" rIns="90000" tIns="45000" bIns="45000"/>
+          <a:bodyPr wrap="none" lIns="90000" tIns="45000" rIns="90000" bIns="45000"/>
+          <a:lstStyle/>
           <a:p>
             <a:pPr>
               <a:lnSpc>
@@ -4580,7 +4717,7 @@
               </a:lnSpc>
             </a:pPr>
             <a:r>
-              <a:rPr b="0" lang="en-GB" sz="1800" spc="-1" strike="noStrike">
+              <a:rPr lang="en-GB" sz="1800" b="0" strike="noStrike" spc="-1">
                 <a:solidFill>
                   <a:srgbClr val="000000"/>
                 </a:solidFill>
@@ -4588,7 +4725,7 @@
               </a:rPr>
               <a:t>Add search bar for blog posts</a:t>
             </a:r>
-            <a:endParaRPr b="0" lang="en-GB" sz="1800" spc="-1" strike="noStrike">
+            <a:endParaRPr lang="en-GB" sz="1800" b="0" strike="noStrike" spc="-1">
               <a:latin typeface="Arial"/>
             </a:endParaRPr>
           </a:p>
@@ -4596,22 +4733,25 @@
       </p:sp>
     </p:spTree>
   </p:cSld>
+  <p:clrMapOvr>
+    <a:masterClrMapping/>
+  </p:clrMapOvr>
   <p:timing>
     <p:tnLst>
       <p:par>
-        <p:cTn id="3" dur="indefinite" restart="never" nodeType="tmRoot">
+        <p:cTn xmlns:p14="http://schemas.microsoft.com/office/powerpoint/2010/main" id="1" dur="indefinite" restart="never" nodeType="tmRoot">
           <p:childTnLst>
             <p:seq>
-              <p:cTn id="4" dur="indefinite" nodeType="mainSeq"/>
+              <p:cTn id="2" dur="indefinite" nodeType="mainSeq"/>
               <p:prevCondLst>
-                <p:cond delay="0" evt="onPrev">
+                <p:cond evt="onPrev" delay="0">
                   <p:tgtEl>
                     <p:sldTgt/>
                   </p:tgtEl>
                 </p:cond>
               </p:prevCondLst>
               <p:nextCondLst>
-                <p:cond delay="0" evt="onNext">
+                <p:cond evt="onNext" delay="0">
                   <p:tgtEl>
                     <p:sldTgt/>
                   </p:tgtEl>
@@ -4627,7 +4767,7 @@
 </file>
 
 <file path=ppt/slides/slide3.xml><?xml version="1.0" encoding="utf-8"?>
-<p:sld xmlns:a="http://schemas.openxmlformats.org/drawingml/2006/main" xmlns:p="http://schemas.openxmlformats.org/presentationml/2006/main" xmlns:r="http://schemas.openxmlformats.org/officeDocument/2006/relationships" xmlns:p14="http://schemas.microsoft.com/office/powerpoint/2010/main" xmlns:p15="http://schemas.microsoft.com/office/powerpoint/2012/main" xmlns:mc="http://schemas.openxmlformats.org/markup-compatibility/2006">
+<p:sld xmlns:a="http://schemas.openxmlformats.org/drawingml/2006/main" xmlns:r="http://schemas.openxmlformats.org/officeDocument/2006/relationships" xmlns:p="http://schemas.openxmlformats.org/presentationml/2006/main">
   <p:cSld>
     <p:spTree>
       <p:nvGrpSpPr>
@@ -4665,7 +4805,7 @@
             <a:round/>
           </a:ln>
           <a:effectLst>
-            <a:outerShdw blurRad="40000" dir="5400000" dist="23000" rotWithShape="0">
+            <a:outerShdw blurRad="40000" dist="23000" dir="5400000" rotWithShape="0">
               <a:srgbClr val="000000">
                 <a:alpha val="35000"/>
               </a:srgbClr>
@@ -4705,13 +4845,20 @@
           </a:ln>
         </p:spPr>
         <p:style>
-          <a:lnRef idx="0"/>
-          <a:fillRef idx="0"/>
-          <a:effectRef idx="0"/>
+          <a:lnRef idx="0">
+            <a:scrgbClr r="0" g="0" b="0"/>
+          </a:lnRef>
+          <a:fillRef idx="0">
+            <a:scrgbClr r="0" g="0" b="0"/>
+          </a:fillRef>
+          <a:effectRef idx="0">
+            <a:scrgbClr r="0" g="0" b="0"/>
+          </a:effectRef>
           <a:fontRef idx="minor"/>
         </p:style>
         <p:txBody>
-          <a:bodyPr lIns="90000" rIns="90000" tIns="45000" bIns="45000"/>
+          <a:bodyPr lIns="90000" tIns="45000" rIns="90000" bIns="45000"/>
+          <a:lstStyle/>
           <a:p>
             <a:pPr>
               <a:lnSpc>
@@ -4719,7 +4866,7 @@
               </a:lnSpc>
             </a:pPr>
             <a:r>
-              <a:rPr b="0" lang="en-GB" sz="1800" spc="-1" strike="noStrike">
+              <a:rPr lang="en-GB" sz="1800" b="0" strike="noStrike" spc="-1">
                 <a:solidFill>
                   <a:srgbClr val="000000"/>
                 </a:solidFill>
@@ -4727,7 +4874,7 @@
               </a:rPr>
               <a:t>Sliding side bar that moves as you</a:t>
             </a:r>
-            <a:endParaRPr b="0" lang="en-GB" sz="1800" spc="-1" strike="noStrike">
+            <a:endParaRPr lang="en-GB" sz="1800" b="0" strike="noStrike" spc="-1">
               <a:latin typeface="Arial"/>
             </a:endParaRPr>
           </a:p>
@@ -4738,7 +4885,7 @@
               </a:lnSpc>
             </a:pPr>
             <a:r>
-              <a:rPr b="0" lang="en-GB" sz="1800" spc="-1" strike="noStrike">
+              <a:rPr lang="en-GB" sz="1800" b="0" strike="noStrike" spc="-1">
                 <a:solidFill>
                   <a:srgbClr val="000000"/>
                 </a:solidFill>
@@ -4746,7 +4893,7 @@
               </a:rPr>
               <a:t>Stays in line with reading window</a:t>
             </a:r>
-            <a:endParaRPr b="0" lang="en-GB" sz="1800" spc="-1" strike="noStrike">
+            <a:endParaRPr lang="en-GB" sz="1800" b="0" strike="noStrike" spc="-1">
               <a:latin typeface="Arial"/>
             </a:endParaRPr>
           </a:p>
@@ -4772,13 +4919,20 @@
           </a:ln>
         </p:spPr>
         <p:style>
-          <a:lnRef idx="0"/>
-          <a:fillRef idx="0"/>
-          <a:effectRef idx="0"/>
+          <a:lnRef idx="0">
+            <a:scrgbClr r="0" g="0" b="0"/>
+          </a:lnRef>
+          <a:fillRef idx="0">
+            <a:scrgbClr r="0" g="0" b="0"/>
+          </a:fillRef>
+          <a:effectRef idx="0">
+            <a:scrgbClr r="0" g="0" b="0"/>
+          </a:effectRef>
           <a:fontRef idx="minor"/>
         </p:style>
         <p:txBody>
-          <a:bodyPr lIns="90000" rIns="90000" tIns="45000" bIns="45000"/>
+          <a:bodyPr lIns="90000" tIns="45000" rIns="90000" bIns="45000"/>
+          <a:lstStyle/>
           <a:p>
             <a:pPr>
               <a:lnSpc>
@@ -4786,7 +4940,7 @@
               </a:lnSpc>
             </a:pPr>
             <a:r>
-              <a:rPr b="0" lang="en-GB" sz="1800" spc="-1" strike="noStrike">
+              <a:rPr lang="en-GB" sz="1800" b="0" strike="noStrike" spc="-1">
                 <a:solidFill>
                   <a:srgbClr val="000000"/>
                 </a:solidFill>
@@ -4794,7 +4948,7 @@
               </a:rPr>
               <a:t>Some text describing the blog part of the site. slkjfsdlkgjbdsakjgnfadkjgnfdkjbnfdkjbnfkjnvfkjnvkjfsnkdjfnbkfdjnbkfdjnbkjdfnbkfdjnbkfdjnblkafjdnbk;adfjnblkafdjnblkafdjnblkfdjngalkjdfngkjdfn</a:t>
             </a:r>
-            <a:endParaRPr b="0" lang="en-GB" sz="1800" spc="-1" strike="noStrike">
+            <a:endParaRPr lang="en-GB" sz="1800" b="0" strike="noStrike" spc="-1">
               <a:latin typeface="Arial"/>
             </a:endParaRPr>
           </a:p>
@@ -4822,7 +4976,7 @@
             <a:round/>
           </a:ln>
           <a:effectLst>
-            <a:outerShdw blurRad="40000" dir="5400000" dist="23000" rotWithShape="0">
+            <a:outerShdw blurRad="40000" dist="23000" dir="5400000" rotWithShape="0">
               <a:srgbClr val="000000">
                 <a:alpha val="35000"/>
               </a:srgbClr>
@@ -4864,7 +5018,7 @@
             <a:round/>
           </a:ln>
           <a:effectLst>
-            <a:outerShdw blurRad="40000" dir="5400000" dist="23000" rotWithShape="0">
+            <a:outerShdw blurRad="40000" dist="23000" dir="5400000" rotWithShape="0">
               <a:srgbClr val="000000">
                 <a:alpha val="35000"/>
               </a:srgbClr>
@@ -4906,7 +5060,7 @@
             <a:round/>
           </a:ln>
           <a:effectLst>
-            <a:outerShdw blurRad="40000" dir="5400000" dist="23000" rotWithShape="0">
+            <a:outerShdw blurRad="40000" dist="23000" dir="5400000" rotWithShape="0">
               <a:srgbClr val="000000">
                 <a:alpha val="35000"/>
               </a:srgbClr>
@@ -4948,7 +5102,7 @@
             <a:round/>
           </a:ln>
           <a:effectLst>
-            <a:outerShdw blurRad="40000" dir="5400000" dist="23000" rotWithShape="0">
+            <a:outerShdw blurRad="40000" dist="23000" dir="5400000" rotWithShape="0">
               <a:srgbClr val="000000">
                 <a:alpha val="35000"/>
               </a:srgbClr>
@@ -4988,13 +5142,20 @@
           </a:ln>
         </p:spPr>
         <p:style>
-          <a:lnRef idx="0"/>
-          <a:fillRef idx="0"/>
-          <a:effectRef idx="0"/>
+          <a:lnRef idx="0">
+            <a:scrgbClr r="0" g="0" b="0"/>
+          </a:lnRef>
+          <a:fillRef idx="0">
+            <a:scrgbClr r="0" g="0" b="0"/>
+          </a:fillRef>
+          <a:effectRef idx="0">
+            <a:scrgbClr r="0" g="0" b="0"/>
+          </a:effectRef>
           <a:fontRef idx="minor"/>
         </p:style>
         <p:txBody>
-          <a:bodyPr lIns="90000" rIns="90000" tIns="45000" bIns="45000"/>
+          <a:bodyPr lIns="90000" tIns="45000" rIns="90000" bIns="45000"/>
+          <a:lstStyle/>
           <a:p>
             <a:pPr>
               <a:lnSpc>
@@ -5002,7 +5163,7 @@
               </a:lnSpc>
             </a:pPr>
             <a:r>
-              <a:rPr b="0" lang="en-GB" sz="1800" spc="-1" strike="noStrike">
+              <a:rPr lang="en-GB" sz="1800" b="0" strike="noStrike" spc="-1">
                 <a:solidFill>
                   <a:srgbClr val="000000"/>
                 </a:solidFill>
@@ -5010,7 +5171,7 @@
               </a:rPr>
               <a:t>Image of post</a:t>
             </a:r>
-            <a:endParaRPr b="0" lang="en-GB" sz="1800" spc="-1" strike="noStrike">
+            <a:endParaRPr lang="en-GB" sz="1800" b="0" strike="noStrike" spc="-1">
               <a:latin typeface="Arial"/>
             </a:endParaRPr>
           </a:p>
@@ -5021,7 +5182,7 @@
               </a:lnSpc>
             </a:pPr>
             <a:r>
-              <a:rPr b="0" lang="en-GB" sz="1800" spc="-1" strike="noStrike">
+              <a:rPr lang="en-GB" sz="1800" b="0" strike="noStrike" spc="-1">
                 <a:solidFill>
                   <a:srgbClr val="000000"/>
                 </a:solidFill>
@@ -5029,7 +5190,7 @@
               </a:rPr>
               <a:t>Description appears upon hover.</a:t>
             </a:r>
-            <a:endParaRPr b="0" lang="en-GB" sz="1800" spc="-1" strike="noStrike">
+            <a:endParaRPr lang="en-GB" sz="1800" b="0" strike="noStrike" spc="-1">
               <a:latin typeface="Arial"/>
             </a:endParaRPr>
           </a:p>
@@ -5037,22 +5198,25 @@
       </p:sp>
     </p:spTree>
   </p:cSld>
+  <p:clrMapOvr>
+    <a:masterClrMapping/>
+  </p:clrMapOvr>
   <p:timing>
     <p:tnLst>
       <p:par>
-        <p:cTn id="5" dur="indefinite" restart="never" nodeType="tmRoot">
+        <p:cTn xmlns:p14="http://schemas.microsoft.com/office/powerpoint/2010/main" id="1" dur="indefinite" restart="never" nodeType="tmRoot">
           <p:childTnLst>
             <p:seq>
-              <p:cTn id="6" dur="indefinite" nodeType="mainSeq"/>
+              <p:cTn id="2" dur="indefinite" nodeType="mainSeq"/>
               <p:prevCondLst>
-                <p:cond delay="0" evt="onPrev">
+                <p:cond evt="onPrev" delay="0">
                   <p:tgtEl>
                     <p:sldTgt/>
                   </p:tgtEl>
                 </p:cond>
               </p:prevCondLst>
               <p:nextCondLst>
-                <p:cond delay="0" evt="onNext">
+                <p:cond evt="onNext" delay="0">
                   <p:tgtEl>
                     <p:sldTgt/>
                   </p:tgtEl>
@@ -5068,7 +5232,7 @@
 </file>
 
 <file path=ppt/slides/slide4.xml><?xml version="1.0" encoding="utf-8"?>
-<p:sld xmlns:a="http://schemas.openxmlformats.org/drawingml/2006/main" xmlns:p="http://schemas.openxmlformats.org/presentationml/2006/main" xmlns:r="http://schemas.openxmlformats.org/officeDocument/2006/relationships" xmlns:p14="http://schemas.microsoft.com/office/powerpoint/2010/main" xmlns:p15="http://schemas.microsoft.com/office/powerpoint/2012/main" xmlns:mc="http://schemas.openxmlformats.org/markup-compatibility/2006">
+<p:sld xmlns:a="http://schemas.openxmlformats.org/drawingml/2006/main" xmlns:r="http://schemas.openxmlformats.org/officeDocument/2006/relationships" xmlns:p="http://schemas.openxmlformats.org/presentationml/2006/main">
   <p:cSld>
     <p:spTree>
       <p:nvGrpSpPr>
@@ -5106,7 +5270,7 @@
             <a:round/>
           </a:ln>
           <a:effectLst>
-            <a:outerShdw blurRad="40000" dir="5400000" dist="23000" rotWithShape="0">
+            <a:outerShdw blurRad="40000" dist="23000" dir="5400000" rotWithShape="0">
               <a:srgbClr val="000000">
                 <a:alpha val="35000"/>
               </a:srgbClr>
@@ -5146,13 +5310,20 @@
           </a:ln>
         </p:spPr>
         <p:style>
-          <a:lnRef idx="0"/>
-          <a:fillRef idx="0"/>
-          <a:effectRef idx="0"/>
+          <a:lnRef idx="0">
+            <a:scrgbClr r="0" g="0" b="0"/>
+          </a:lnRef>
+          <a:fillRef idx="0">
+            <a:scrgbClr r="0" g="0" b="0"/>
+          </a:fillRef>
+          <a:effectRef idx="0">
+            <a:scrgbClr r="0" g="0" b="0"/>
+          </a:effectRef>
           <a:fontRef idx="minor"/>
         </p:style>
         <p:txBody>
-          <a:bodyPr lIns="90000" rIns="90000" tIns="45000" bIns="45000"/>
+          <a:bodyPr lIns="90000" tIns="45000" rIns="90000" bIns="45000"/>
+          <a:lstStyle/>
           <a:p>
             <a:pPr>
               <a:lnSpc>
@@ -5160,7 +5331,7 @@
               </a:lnSpc>
             </a:pPr>
             <a:r>
-              <a:rPr b="0" lang="en-GB" sz="1800" spc="-1" strike="noStrike">
+              <a:rPr lang="en-GB" sz="1800" b="0" strike="noStrike" spc="-1">
                 <a:solidFill>
                   <a:srgbClr val="000000"/>
                 </a:solidFill>
@@ -5168,7 +5339,7 @@
               </a:rPr>
               <a:t>Menu Bar</a:t>
             </a:r>
-            <a:endParaRPr b="0" lang="en-GB" sz="1800" spc="-1" strike="noStrike">
+            <a:endParaRPr lang="en-GB" sz="1800" b="0" strike="noStrike" spc="-1">
               <a:latin typeface="Arial"/>
             </a:endParaRPr>
           </a:p>
@@ -5196,7 +5367,7 @@
             <a:round/>
           </a:ln>
           <a:effectLst>
-            <a:outerShdw blurRad="40000" dir="5400000" dist="23000" rotWithShape="0">
+            <a:outerShdw blurRad="40000" dist="23000" dir="5400000" rotWithShape="0">
               <a:srgbClr val="000000">
                 <a:alpha val="35000"/>
               </a:srgbClr>
@@ -5236,13 +5407,20 @@
           </a:ln>
         </p:spPr>
         <p:style>
-          <a:lnRef idx="0"/>
-          <a:fillRef idx="0"/>
-          <a:effectRef idx="0"/>
+          <a:lnRef idx="0">
+            <a:scrgbClr r="0" g="0" b="0"/>
+          </a:lnRef>
+          <a:fillRef idx="0">
+            <a:scrgbClr r="0" g="0" b="0"/>
+          </a:fillRef>
+          <a:effectRef idx="0">
+            <a:scrgbClr r="0" g="0" b="0"/>
+          </a:effectRef>
           <a:fontRef idx="minor"/>
         </p:style>
         <p:txBody>
-          <a:bodyPr wrap="none" lIns="90000" rIns="90000" tIns="45000" bIns="45000"/>
+          <a:bodyPr wrap="none" lIns="90000" tIns="45000" rIns="90000" bIns="45000"/>
+          <a:lstStyle/>
           <a:p>
             <a:pPr>
               <a:lnSpc>
@@ -5250,7 +5428,7 @@
               </a:lnSpc>
             </a:pPr>
             <a:r>
-              <a:rPr b="0" lang="en-GB" sz="1800" spc="-1" strike="noStrike">
+              <a:rPr lang="en-GB" sz="1800" b="0" strike="noStrike" spc="-1">
                 <a:solidFill>
                   <a:srgbClr val="000000"/>
                 </a:solidFill>
@@ -5258,7 +5436,7 @@
               </a:rPr>
               <a:t>Interactive Map of the World</a:t>
             </a:r>
-            <a:endParaRPr b="0" lang="en-GB" sz="1800" spc="-1" strike="noStrike">
+            <a:endParaRPr lang="en-GB" sz="1800" b="0" strike="noStrike" spc="-1">
               <a:latin typeface="Arial"/>
             </a:endParaRPr>
           </a:p>
@@ -5266,22 +5444,25 @@
       </p:sp>
     </p:spTree>
   </p:cSld>
+  <p:clrMapOvr>
+    <a:masterClrMapping/>
+  </p:clrMapOvr>
   <p:timing>
     <p:tnLst>
       <p:par>
-        <p:cTn id="7" dur="indefinite" restart="never" nodeType="tmRoot">
+        <p:cTn xmlns:p14="http://schemas.microsoft.com/office/powerpoint/2010/main" id="1" dur="indefinite" restart="never" nodeType="tmRoot">
           <p:childTnLst>
             <p:seq>
-              <p:cTn id="8" dur="indefinite" nodeType="mainSeq"/>
+              <p:cTn id="2" dur="indefinite" nodeType="mainSeq"/>
               <p:prevCondLst>
-                <p:cond delay="0" evt="onPrev">
+                <p:cond evt="onPrev" delay="0">
                   <p:tgtEl>
                     <p:sldTgt/>
                   </p:tgtEl>
                 </p:cond>
               </p:prevCondLst>
               <p:nextCondLst>
-                <p:cond delay="0" evt="onNext">
+                <p:cond evt="onNext" delay="0">
                   <p:tgtEl>
                     <p:sldTgt/>
                   </p:tgtEl>
@@ -5297,7 +5478,7 @@
 </file>
 
 <file path=ppt/slides/slide5.xml><?xml version="1.0" encoding="utf-8"?>
-<p:sld xmlns:a="http://schemas.openxmlformats.org/drawingml/2006/main" xmlns:p="http://schemas.openxmlformats.org/presentationml/2006/main" xmlns:r="http://schemas.openxmlformats.org/officeDocument/2006/relationships" xmlns:p14="http://schemas.microsoft.com/office/powerpoint/2010/main" xmlns:p15="http://schemas.microsoft.com/office/powerpoint/2012/main" xmlns:mc="http://schemas.openxmlformats.org/markup-compatibility/2006">
+<p:sld xmlns:a="http://schemas.openxmlformats.org/drawingml/2006/main" xmlns:r="http://schemas.openxmlformats.org/officeDocument/2006/relationships" xmlns:p="http://schemas.openxmlformats.org/presentationml/2006/main">
   <p:cSld>
     <p:spTree>
       <p:nvGrpSpPr>
@@ -5333,13 +5514,20 @@
           </a:ln>
         </p:spPr>
         <p:style>
-          <a:lnRef idx="0"/>
-          <a:fillRef idx="0"/>
-          <a:effectRef idx="0"/>
+          <a:lnRef idx="0">
+            <a:scrgbClr r="0" g="0" b="0"/>
+          </a:lnRef>
+          <a:fillRef idx="0">
+            <a:scrgbClr r="0" g="0" b="0"/>
+          </a:fillRef>
+          <a:effectRef idx="0">
+            <a:scrgbClr r="0" g="0" b="0"/>
+          </a:effectRef>
           <a:fontRef idx="minor"/>
         </p:style>
         <p:txBody>
-          <a:bodyPr lIns="90000" rIns="90000" tIns="45000" bIns="45000"/>
+          <a:bodyPr lIns="90000" tIns="45000" rIns="90000" bIns="45000"/>
+          <a:lstStyle/>
           <a:p>
             <a:pPr>
               <a:lnSpc>
@@ -5347,7 +5535,7 @@
               </a:lnSpc>
             </a:pPr>
             <a:r>
-              <a:rPr b="1" lang="en-GB" sz="1800" spc="-1" strike="noStrike">
+              <a:rPr lang="en-GB" sz="1800" b="1" strike="noStrike" spc="-1">
                 <a:solidFill>
                   <a:srgbClr val="000000"/>
                 </a:solidFill>
@@ -5355,7 +5543,7 @@
               </a:rPr>
               <a:t>Figures…</a:t>
             </a:r>
-            <a:endParaRPr b="0" lang="en-GB" sz="1800" spc="-1" strike="noStrike">
+            <a:endParaRPr lang="en-GB" sz="1800" b="0" strike="noStrike" spc="-1">
               <a:latin typeface="Arial"/>
             </a:endParaRPr>
           </a:p>
@@ -5366,7 +5554,7 @@
               </a:lnSpc>
             </a:pPr>
             <a:r>
-              <a:rPr b="0" lang="en-GB" sz="1800" spc="-1" strike="noStrike">
+              <a:rPr lang="en-GB" sz="1800" b="0" strike="noStrike" spc="-1">
                 <a:solidFill>
                   <a:srgbClr val="000000"/>
                 </a:solidFill>
@@ -5374,7 +5562,7 @@
               </a:rPr>
               <a:t>Simulated Data:</a:t>
             </a:r>
-            <a:endParaRPr b="0" lang="en-GB" sz="1800" spc="-1" strike="noStrike">
+            <a:endParaRPr lang="en-GB" sz="1800" b="0" strike="noStrike" spc="-1">
               <a:latin typeface="Arial"/>
             </a:endParaRPr>
           </a:p>
@@ -5384,7 +5572,7 @@
                 <a:spcPct val="100000"/>
               </a:lnSpc>
             </a:pPr>
-            <a:endParaRPr b="0" lang="en-GB" sz="1800" spc="-1" strike="noStrike">
+            <a:endParaRPr lang="en-GB" sz="1800" b="0" strike="noStrike" spc="-1">
               <a:latin typeface="Arial"/>
             </a:endParaRPr>
           </a:p>
@@ -5395,7 +5583,7 @@
               </a:lnSpc>
             </a:pPr>
             <a:r>
-              <a:rPr b="0" lang="en-GB" sz="1800" spc="-1" strike="noStrike">
+              <a:rPr lang="en-GB" sz="1800" b="0" strike="noStrike" spc="-1">
                 <a:solidFill>
                   <a:srgbClr val="000000"/>
                 </a:solidFill>
@@ -5403,7 +5591,7 @@
               </a:rPr>
               <a:t>Alignment</a:t>
             </a:r>
-            <a:endParaRPr b="0" lang="en-GB" sz="1800" spc="-1" strike="noStrike">
+            <a:endParaRPr lang="en-GB" sz="1800" b="0" strike="noStrike" spc="-1">
               <a:latin typeface="Arial"/>
             </a:endParaRPr>
           </a:p>
@@ -5414,16 +5602,16 @@
               </a:lnSpc>
             </a:pPr>
             <a:r>
-              <a:rPr b="0" lang="en-GB" sz="1800" spc="-1" strike="noStrike">
+              <a:rPr lang="en-GB" sz="1800" b="0" strike="noStrike" spc="-1">
                 <a:solidFill>
-                  <a:srgbClr val="ff0000"/>
+                  <a:srgbClr val="FF0000"/>
                 </a:solidFill>
                 <a:latin typeface="Calibri"/>
               </a:rPr>
               <a:t>A</a:t>
             </a:r>
             <a:r>
-              <a:rPr b="0" lang="en-GB" sz="1800" spc="-1" strike="noStrike">
+              <a:rPr lang="en-GB" sz="1800" b="0" strike="noStrike" spc="-1">
                 <a:solidFill>
                   <a:srgbClr val="008000"/>
                 </a:solidFill>
@@ -5432,7 +5620,7 @@
               <a:t>G</a:t>
             </a:r>
             <a:r>
-              <a:rPr b="0" lang="en-GB" sz="1800" spc="-1" strike="noStrike">
+              <a:rPr lang="en-GB" sz="1800" b="0" strike="noStrike" spc="-1">
                 <a:solidFill>
                   <a:srgbClr val="000000"/>
                 </a:solidFill>
@@ -5441,7 +5629,7 @@
               <a:t>TC</a:t>
             </a:r>
             <a:r>
-              <a:rPr b="0" lang="en-GB" sz="1800" spc="-1" strike="noStrike">
+              <a:rPr lang="en-GB" sz="1800" b="0" strike="noStrike" spc="-1">
                 <a:solidFill>
                   <a:srgbClr val="008000"/>
                 </a:solidFill>
@@ -5450,7 +5638,7 @@
               <a:t>GG</a:t>
             </a:r>
             <a:r>
-              <a:rPr b="0" lang="en-GB" sz="1800" spc="-1" strike="noStrike">
+              <a:rPr lang="en-GB" sz="1800" b="0" strike="noStrike" spc="-1">
                 <a:solidFill>
                   <a:srgbClr val="000000"/>
                 </a:solidFill>
@@ -5459,7 +5647,7 @@
               <a:t>TC</a:t>
             </a:r>
             <a:r>
-              <a:rPr b="0" lang="en-GB" sz="1800" spc="-1" strike="noStrike">
+              <a:rPr lang="en-GB" sz="1800" b="0" strike="noStrike" spc="-1">
                 <a:solidFill>
                   <a:srgbClr val="008000"/>
                 </a:solidFill>
@@ -5468,7 +5656,7 @@
               <a:t>G</a:t>
             </a:r>
             <a:r>
-              <a:rPr b="0" lang="en-GB" sz="1800" spc="-1" strike="noStrike">
+              <a:rPr lang="en-GB" sz="1800" b="0" strike="noStrike" spc="-1">
                 <a:solidFill>
                   <a:srgbClr val="000000"/>
                 </a:solidFill>
@@ -5477,7 +5665,7 @@
               <a:t>T</a:t>
             </a:r>
             <a:r>
-              <a:rPr b="0" lang="en-GB" sz="1800" spc="-1" strike="noStrike">
+              <a:rPr lang="en-GB" sz="1800" b="0" strike="noStrike" spc="-1">
                 <a:solidFill>
                   <a:srgbClr val="008000"/>
                 </a:solidFill>
@@ -5485,7 +5673,7 @@
               </a:rPr>
               <a:t>G</a:t>
             </a:r>
-            <a:endParaRPr b="0" lang="en-GB" sz="1800" spc="-1" strike="noStrike">
+            <a:endParaRPr lang="en-GB" sz="1800" b="0" strike="noStrike" spc="-1">
               <a:latin typeface="Arial"/>
             </a:endParaRPr>
           </a:p>
@@ -5496,16 +5684,16 @@
               </a:lnSpc>
             </a:pPr>
             <a:r>
-              <a:rPr b="0" lang="en-GB" sz="1800" spc="-1" strike="noStrike">
+              <a:rPr lang="en-GB" sz="1800" b="0" strike="noStrike" spc="-1">
                 <a:solidFill>
-                  <a:srgbClr val="ff0000"/>
+                  <a:srgbClr val="FF0000"/>
                 </a:solidFill>
                 <a:latin typeface="Calibri"/>
               </a:rPr>
               <a:t>A</a:t>
             </a:r>
             <a:r>
-              <a:rPr b="0" lang="en-GB" sz="1800" spc="-1" strike="noStrike">
+              <a:rPr lang="en-GB" sz="1800" b="0" strike="noStrike" spc="-1">
                 <a:solidFill>
                   <a:srgbClr val="000000"/>
                 </a:solidFill>
@@ -5514,7 +5702,7 @@
               <a:t>GT</a:t>
             </a:r>
             <a:r>
-              <a:rPr b="0" lang="en-GB" sz="1800" spc="-1" strike="noStrike">
+              <a:rPr lang="en-GB" sz="1800" b="0" strike="noStrike" spc="-1">
                 <a:solidFill>
                   <a:srgbClr val="008000"/>
                 </a:solidFill>
@@ -5523,7 +5711,7 @@
               <a:t>G</a:t>
             </a:r>
             <a:r>
-              <a:rPr b="0" lang="en-GB" sz="1800" spc="-1" strike="noStrike">
+              <a:rPr lang="en-GB" sz="1800" b="0" strike="noStrike" spc="-1">
                 <a:solidFill>
                   <a:srgbClr val="000000"/>
                 </a:solidFill>
@@ -5532,7 +5720,7 @@
               <a:t>C</a:t>
             </a:r>
             <a:r>
-              <a:rPr b="0" lang="en-GB" sz="1800" spc="-1" strike="noStrike">
+              <a:rPr lang="en-GB" sz="1800" b="0" strike="noStrike" spc="-1">
                 <a:solidFill>
                   <a:srgbClr val="008000"/>
                 </a:solidFill>
@@ -5541,7 +5729,7 @@
               <a:t>G</a:t>
             </a:r>
             <a:r>
-              <a:rPr b="0" lang="en-GB" sz="1800" spc="-1" strike="noStrike">
+              <a:rPr lang="en-GB" sz="1800" b="0" strike="noStrike" spc="-1">
                 <a:solidFill>
                   <a:srgbClr val="000000"/>
                 </a:solidFill>
@@ -5550,7 +5738,7 @@
               <a:t>TC</a:t>
             </a:r>
             <a:r>
-              <a:rPr b="0" lang="en-GB" sz="1800" spc="-1" strike="noStrike">
+              <a:rPr lang="en-GB" sz="1800" b="0" strike="noStrike" spc="-1">
                 <a:solidFill>
                   <a:srgbClr val="008000"/>
                 </a:solidFill>
@@ -5559,7 +5747,7 @@
               <a:t>G</a:t>
             </a:r>
             <a:r>
-              <a:rPr b="0" lang="en-GB" sz="1800" spc="-1" strike="noStrike">
+              <a:rPr lang="en-GB" sz="1800" b="0" strike="noStrike" spc="-1">
                 <a:solidFill>
                   <a:srgbClr val="000000"/>
                 </a:solidFill>
@@ -5568,7 +5756,7 @@
               <a:t>T</a:t>
             </a:r>
             <a:r>
-              <a:rPr b="0" lang="en-GB" sz="1800" spc="-1" strike="noStrike">
+              <a:rPr lang="en-GB" sz="1800" b="0" strike="noStrike" spc="-1">
                 <a:solidFill>
                   <a:srgbClr val="008000"/>
                 </a:solidFill>
@@ -5576,7 +5764,7 @@
               </a:rPr>
               <a:t>G</a:t>
             </a:r>
-            <a:endParaRPr b="0" lang="en-GB" sz="1800" spc="-1" strike="noStrike">
+            <a:endParaRPr lang="en-GB" sz="1800" b="0" strike="noStrike" spc="-1">
               <a:latin typeface="Arial"/>
             </a:endParaRPr>
           </a:p>
@@ -5586,7 +5774,7 @@
                 <a:spcPct val="100000"/>
               </a:lnSpc>
             </a:pPr>
-            <a:endParaRPr b="0" lang="en-GB" sz="1800" spc="-1" strike="noStrike">
+            <a:endParaRPr lang="en-GB" sz="1800" b="0" strike="noStrike" spc="-1">
               <a:latin typeface="Arial"/>
             </a:endParaRPr>
           </a:p>
@@ -5597,7 +5785,7 @@
               </a:lnSpc>
             </a:pPr>
             <a:r>
-              <a:rPr b="0" lang="en-GB" sz="1800" spc="-1" strike="noStrike">
+              <a:rPr lang="en-GB" sz="1800" b="0" strike="noStrike" spc="-1">
                 <a:solidFill>
                   <a:srgbClr val="000000"/>
                 </a:solidFill>
@@ -5605,7 +5793,7 @@
               </a:rPr>
               <a:t>Tree</a:t>
             </a:r>
-            <a:endParaRPr b="0" lang="en-GB" sz="1800" spc="-1" strike="noStrike">
+            <a:endParaRPr lang="en-GB" sz="1800" b="0" strike="noStrike" spc="-1">
               <a:latin typeface="Arial"/>
             </a:endParaRPr>
           </a:p>
@@ -5615,7 +5803,7 @@
                 <a:spcPct val="100000"/>
               </a:lnSpc>
             </a:pPr>
-            <a:endParaRPr b="0" lang="en-GB" sz="1800" spc="-1" strike="noStrike">
+            <a:endParaRPr lang="en-GB" sz="1800" b="0" strike="noStrike" spc="-1">
               <a:latin typeface="Arial"/>
             </a:endParaRPr>
           </a:p>
@@ -5626,7 +5814,7 @@
               </a:lnSpc>
             </a:pPr>
             <a:r>
-              <a:rPr b="0" lang="en-GB" sz="1800" spc="-1" strike="noStrike">
+              <a:rPr lang="en-GB" sz="1800" b="0" strike="noStrike" spc="-1">
                 <a:solidFill>
                   <a:srgbClr val="000000"/>
                 </a:solidFill>
@@ -5634,7 +5822,7 @@
               </a:rPr>
               <a:t>Life Histories</a:t>
             </a:r>
-            <a:endParaRPr b="0" lang="en-GB" sz="1800" spc="-1" strike="noStrike">
+            <a:endParaRPr lang="en-GB" sz="1800" b="0" strike="noStrike" spc="-1">
               <a:latin typeface="Arial"/>
             </a:endParaRPr>
           </a:p>
@@ -5644,7 +5832,7 @@
                 <a:spcPct val="100000"/>
               </a:lnSpc>
             </a:pPr>
-            <a:endParaRPr b="0" lang="en-GB" sz="1800" spc="-1" strike="noStrike">
+            <a:endParaRPr lang="en-GB" sz="1800" b="0" strike="noStrike" spc="-1">
               <a:latin typeface="Arial"/>
             </a:endParaRPr>
           </a:p>
@@ -5655,7 +5843,7 @@
               </a:lnSpc>
             </a:pPr>
             <a:r>
-              <a:rPr b="0" lang="en-GB" sz="1800" spc="-1" strike="noStrike">
+              <a:rPr lang="en-GB" sz="1800" b="0" strike="noStrike" spc="-1">
                 <a:solidFill>
                   <a:srgbClr val="000000"/>
                 </a:solidFill>
@@ -5663,7 +5851,7 @@
               </a:rPr>
               <a:t>Transmission Events</a:t>
             </a:r>
-            <a:endParaRPr b="0" lang="en-GB" sz="1800" spc="-1" strike="noStrike">
+            <a:endParaRPr lang="en-GB" sz="1800" b="0" strike="noStrike" spc="-1">
               <a:latin typeface="Arial"/>
             </a:endParaRPr>
           </a:p>
@@ -5673,7 +5861,7 @@
                 <a:spcPct val="100000"/>
               </a:lnSpc>
             </a:pPr>
-            <a:endParaRPr b="0" lang="en-GB" sz="1800" spc="-1" strike="noStrike">
+            <a:endParaRPr lang="en-GB" sz="1800" b="0" strike="noStrike" spc="-1">
               <a:latin typeface="Arial"/>
             </a:endParaRPr>
           </a:p>
@@ -5683,7 +5871,7 @@
                 <a:spcPct val="100000"/>
               </a:lnSpc>
             </a:pPr>
-            <a:endParaRPr b="0" lang="en-GB" sz="1800" spc="-1" strike="noStrike">
+            <a:endParaRPr lang="en-GB" sz="1800" b="0" strike="noStrike" spc="-1">
               <a:latin typeface="Arial"/>
             </a:endParaRPr>
           </a:p>
@@ -5709,15 +5897,52 @@
           </a:ln>
         </p:spPr>
         <p:txBody>
-          <a:bodyPr lIns="90000" rIns="90000" tIns="45000" bIns="45000"/>
+          <a:bodyPr lIns="90000" tIns="45000" rIns="90000" bIns="45000"/>
+          <a:lstStyle/>
           <a:p>
             <a:r>
-              <a:rPr b="0" lang="en-GB" sz="1800" spc="-1" strike="noStrike">
+              <a:rPr lang="en-GB" sz="1800" b="0" strike="noStrike" spc="-1" dirty="0">
                 <a:latin typeface="Arial"/>
               </a:rPr>
-              <a:t>Really nice website: https://www.gitkraken.com/</a:t>
+              <a:t>Really nice website: </a:t>
             </a:r>
-            <a:endParaRPr b="0" lang="en-GB" sz="1800" spc="-1" strike="noStrike">
+            <a:r>
+              <a:rPr lang="en-GB" sz="1800" b="0" strike="noStrike" spc="-1" dirty="0">
+                <a:latin typeface="Arial"/>
+                <a:hlinkClick r:id="rId2"/>
+              </a:rPr>
+              <a:t>https://www.gitkraken.com</a:t>
+            </a:r>
+            <a:r>
+              <a:rPr lang="en-GB" sz="1800" b="0" strike="noStrike" spc="-1" dirty="0" smtClean="0">
+                <a:latin typeface="Arial"/>
+                <a:hlinkClick r:id="rId2"/>
+              </a:rPr>
+              <a:t>/</a:t>
+            </a:r>
+            <a:endParaRPr lang="en-GB" sz="1800" b="0" strike="noStrike" spc="-1" dirty="0" smtClean="0">
+              <a:latin typeface="Arial"/>
+            </a:endParaRPr>
+          </a:p>
+          <a:p>
+            <a:endParaRPr lang="en-GB" spc="-1" dirty="0">
+              <a:latin typeface="Arial"/>
+            </a:endParaRPr>
+          </a:p>
+          <a:p>
+            <a:r>
+              <a:rPr lang="en-GB" spc="-1" dirty="0"/>
+              <a:t>https://</a:t>
+            </a:r>
+            <a:r>
+              <a:rPr lang="en-GB" spc="-1" dirty="0" err="1"/>
+              <a:t>medium.freecodecamp.org</a:t>
+            </a:r>
+            <a:r>
+              <a:rPr lang="en-GB" spc="-1"/>
+              <a:t>/canmaking-it-rain-code-matrix-style-ec6e1386084e</a:t>
+            </a:r>
+            <a:endParaRPr lang="en-GB" sz="1800" b="0" strike="noStrike" spc="-1" dirty="0">
               <a:latin typeface="Arial"/>
             </a:endParaRPr>
           </a:p>
@@ -5725,22 +5950,25 @@
       </p:sp>
     </p:spTree>
   </p:cSld>
+  <p:clrMapOvr>
+    <a:masterClrMapping/>
+  </p:clrMapOvr>
   <p:timing>
     <p:tnLst>
       <p:par>
-        <p:cTn id="9" dur="indefinite" restart="never" nodeType="tmRoot">
+        <p:cTn xmlns:p14="http://schemas.microsoft.com/office/powerpoint/2010/main" id="1" dur="indefinite" restart="never" nodeType="tmRoot">
           <p:childTnLst>
             <p:seq>
-              <p:cTn id="10" dur="indefinite" nodeType="mainSeq"/>
+              <p:cTn id="2" dur="indefinite" nodeType="mainSeq"/>
               <p:prevCondLst>
-                <p:cond delay="0" evt="onPrev">
+                <p:cond evt="onPrev" delay="0">
                   <p:tgtEl>
                     <p:sldTgt/>
                   </p:tgtEl>
                 </p:cond>
               </p:prevCondLst>
               <p:nextCondLst>
-                <p:cond delay="0" evt="onNext">
+                <p:cond evt="onNext" delay="0">
                   <p:tgtEl>
                     <p:sldTgt/>
                   </p:tgtEl>
@@ -5766,31 +5994,31 @@
         <a:sysClr val="window" lastClr="FFFFFF"/>
       </a:lt1>
       <a:dk2>
-        <a:srgbClr val="1f497d"/>
+        <a:srgbClr val="1F497D"/>
       </a:dk2>
       <a:lt2>
-        <a:srgbClr val="eeece1"/>
+        <a:srgbClr val="EEECE1"/>
       </a:lt2>
       <a:accent1>
-        <a:srgbClr val="4f81bd"/>
+        <a:srgbClr val="4F81BD"/>
       </a:accent1>
       <a:accent2>
-        <a:srgbClr val="c0504d"/>
+        <a:srgbClr val="C0504D"/>
       </a:accent2>
       <a:accent3>
-        <a:srgbClr val="9bbb59"/>
+        <a:srgbClr val="9BBB59"/>
       </a:accent3>
       <a:accent4>
-        <a:srgbClr val="8064a2"/>
+        <a:srgbClr val="8064A2"/>
       </a:accent4>
       <a:accent5>
-        <a:srgbClr val="4bacc6"/>
+        <a:srgbClr val="4BACC6"/>
       </a:accent5>
       <a:accent6>
-        <a:srgbClr val="f79646"/>
+        <a:srgbClr val="F79646"/>
       </a:accent6>
       <a:hlink>
-        <a:srgbClr val="0000ff"/>
+        <a:srgbClr val="0000FF"/>
       </a:hlink>
       <a:folHlink>
         <a:srgbClr val="800080"/>
@@ -5975,6 +6203,8 @@
       </a:bgFillStyleLst>
     </a:fmtScheme>
   </a:themeElements>
+  <a:objectDefaults/>
+  <a:extraClrSchemeLst/>
 </a:theme>
 </file>
 
@@ -5989,31 +6219,31 @@
         <a:sysClr val="window" lastClr="FFFFFF"/>
       </a:lt1>
       <a:dk2>
-        <a:srgbClr val="1f497d"/>
+        <a:srgbClr val="1F497D"/>
       </a:dk2>
       <a:lt2>
-        <a:srgbClr val="eeece1"/>
+        <a:srgbClr val="EEECE1"/>
       </a:lt2>
       <a:accent1>
-        <a:srgbClr val="4f81bd"/>
+        <a:srgbClr val="4F81BD"/>
       </a:accent1>
       <a:accent2>
-        <a:srgbClr val="c0504d"/>
+        <a:srgbClr val="C0504D"/>
       </a:accent2>
       <a:accent3>
-        <a:srgbClr val="9bbb59"/>
+        <a:srgbClr val="9BBB59"/>
       </a:accent3>
       <a:accent4>
-        <a:srgbClr val="8064a2"/>
+        <a:srgbClr val="8064A2"/>
       </a:accent4>
       <a:accent5>
-        <a:srgbClr val="4bacc6"/>
+        <a:srgbClr val="4BACC6"/>
       </a:accent5>
       <a:accent6>
-        <a:srgbClr val="f79646"/>
+        <a:srgbClr val="F79646"/>
       </a:accent6>
       <a:hlink>
-        <a:srgbClr val="0000ff"/>
+        <a:srgbClr val="0000FF"/>
       </a:hlink>
       <a:folHlink>
         <a:srgbClr val="800080"/>
@@ -6198,5 +6428,7 @@
       </a:bgFillStyleLst>
     </a:fmtScheme>
   </a:themeElements>
+  <a:objectDefaults/>
+  <a:extraClrSchemeLst/>
 </a:theme>
 </file>